--- a/[피자팔조] 정리PPT.pptx
+++ b/[피자팔조] 정리PPT.pptx
@@ -13,9 +13,10 @@
     <p:sldId id="270" r:id="rId7"/>
     <p:sldId id="272" r:id="rId8"/>
     <p:sldId id="265" r:id="rId9"/>
-    <p:sldId id="266" r:id="rId10"/>
-    <p:sldId id="268" r:id="rId11"/>
-    <p:sldId id="267" r:id="rId12"/>
+    <p:sldId id="273" r:id="rId10"/>
+    <p:sldId id="266" r:id="rId11"/>
+    <p:sldId id="268" r:id="rId12"/>
+    <p:sldId id="267" r:id="rId13"/>
   </p:sldIdLst>
   <p:sldSz cx="12192000" cy="6858000"/>
   <p:notesSz cx="6858000" cy="9144000"/>
@@ -264,7 +265,7 @@
           <a:p>
             <a:fld id="{FD2A78BB-F5A8-4453-91AD-3C7E19567FD7}" type="datetimeFigureOut">
               <a:rPr lang="ko-KR" altLang="en-US" smtClean="0"/>
-              <a:t>2020-07-09</a:t>
+              <a:t>2020-07-13</a:t>
             </a:fld>
             <a:endParaRPr lang="ko-KR" altLang="en-US"/>
           </a:p>
@@ -434,7 +435,7 @@
           <a:p>
             <a:fld id="{FD2A78BB-F5A8-4453-91AD-3C7E19567FD7}" type="datetimeFigureOut">
               <a:rPr lang="ko-KR" altLang="en-US" smtClean="0"/>
-              <a:t>2020-07-09</a:t>
+              <a:t>2020-07-13</a:t>
             </a:fld>
             <a:endParaRPr lang="ko-KR" altLang="en-US"/>
           </a:p>
@@ -614,7 +615,7 @@
           <a:p>
             <a:fld id="{FD2A78BB-F5A8-4453-91AD-3C7E19567FD7}" type="datetimeFigureOut">
               <a:rPr lang="ko-KR" altLang="en-US" smtClean="0"/>
-              <a:t>2020-07-09</a:t>
+              <a:t>2020-07-13</a:t>
             </a:fld>
             <a:endParaRPr lang="ko-KR" altLang="en-US"/>
           </a:p>
@@ -784,7 +785,7 @@
           <a:p>
             <a:fld id="{FD2A78BB-F5A8-4453-91AD-3C7E19567FD7}" type="datetimeFigureOut">
               <a:rPr lang="ko-KR" altLang="en-US" smtClean="0"/>
-              <a:t>2020-07-09</a:t>
+              <a:t>2020-07-13</a:t>
             </a:fld>
             <a:endParaRPr lang="ko-KR" altLang="en-US"/>
           </a:p>
@@ -1030,7 +1031,7 @@
           <a:p>
             <a:fld id="{FD2A78BB-F5A8-4453-91AD-3C7E19567FD7}" type="datetimeFigureOut">
               <a:rPr lang="ko-KR" altLang="en-US" smtClean="0"/>
-              <a:t>2020-07-09</a:t>
+              <a:t>2020-07-13</a:t>
             </a:fld>
             <a:endParaRPr lang="ko-KR" altLang="en-US"/>
           </a:p>
@@ -1262,7 +1263,7 @@
           <a:p>
             <a:fld id="{FD2A78BB-F5A8-4453-91AD-3C7E19567FD7}" type="datetimeFigureOut">
               <a:rPr lang="ko-KR" altLang="en-US" smtClean="0"/>
-              <a:t>2020-07-09</a:t>
+              <a:t>2020-07-13</a:t>
             </a:fld>
             <a:endParaRPr lang="ko-KR" altLang="en-US"/>
           </a:p>
@@ -1629,7 +1630,7 @@
           <a:p>
             <a:fld id="{FD2A78BB-F5A8-4453-91AD-3C7E19567FD7}" type="datetimeFigureOut">
               <a:rPr lang="ko-KR" altLang="en-US" smtClean="0"/>
-              <a:t>2020-07-09</a:t>
+              <a:t>2020-07-13</a:t>
             </a:fld>
             <a:endParaRPr lang="ko-KR" altLang="en-US"/>
           </a:p>
@@ -1747,7 +1748,7 @@
           <a:p>
             <a:fld id="{FD2A78BB-F5A8-4453-91AD-3C7E19567FD7}" type="datetimeFigureOut">
               <a:rPr lang="ko-KR" altLang="en-US" smtClean="0"/>
-              <a:t>2020-07-09</a:t>
+              <a:t>2020-07-13</a:t>
             </a:fld>
             <a:endParaRPr lang="ko-KR" altLang="en-US"/>
           </a:p>
@@ -1842,7 +1843,7 @@
           <a:p>
             <a:fld id="{FD2A78BB-F5A8-4453-91AD-3C7E19567FD7}" type="datetimeFigureOut">
               <a:rPr lang="ko-KR" altLang="en-US" smtClean="0"/>
-              <a:t>2020-07-09</a:t>
+              <a:t>2020-07-13</a:t>
             </a:fld>
             <a:endParaRPr lang="ko-KR" altLang="en-US"/>
           </a:p>
@@ -2119,7 +2120,7 @@
           <a:p>
             <a:fld id="{FD2A78BB-F5A8-4453-91AD-3C7E19567FD7}" type="datetimeFigureOut">
               <a:rPr lang="ko-KR" altLang="en-US" smtClean="0"/>
-              <a:t>2020-07-09</a:t>
+              <a:t>2020-07-13</a:t>
             </a:fld>
             <a:endParaRPr lang="ko-KR" altLang="en-US"/>
           </a:p>
@@ -2372,7 +2373,7 @@
           <a:p>
             <a:fld id="{FD2A78BB-F5A8-4453-91AD-3C7E19567FD7}" type="datetimeFigureOut">
               <a:rPr lang="ko-KR" altLang="en-US" smtClean="0"/>
-              <a:t>2020-07-09</a:t>
+              <a:t>2020-07-13</a:t>
             </a:fld>
             <a:endParaRPr lang="ko-KR" altLang="en-US"/>
           </a:p>
@@ -2585,7 +2586,7 @@
           <a:p>
             <a:fld id="{FD2A78BB-F5A8-4453-91AD-3C7E19567FD7}" type="datetimeFigureOut">
               <a:rPr lang="ko-KR" altLang="en-US" smtClean="0"/>
-              <a:t>2020-07-09</a:t>
+              <a:t>2020-07-13</a:t>
             </a:fld>
             <a:endParaRPr lang="ko-KR" altLang="en-US"/>
           </a:p>
@@ -3285,6 +3286,162 @@
           <a:chExt cx="0" cy="0"/>
         </a:xfrm>
       </p:grpSpPr>
+      <p:sp>
+        <p:nvSpPr>
+          <p:cNvPr id="6" name="직사각형 5"/>
+          <p:cNvSpPr/>
+          <p:nvPr/>
+        </p:nvSpPr>
+        <p:spPr>
+          <a:xfrm>
+            <a:off x="0" y="0"/>
+            <a:ext cx="12192000" cy="662473"/>
+          </a:xfrm>
+          <a:prstGeom prst="rect">
+            <a:avLst/>
+          </a:prstGeom>
+          <a:solidFill>
+            <a:schemeClr val="accent4">
+              <a:alpha val="51000"/>
+            </a:schemeClr>
+          </a:solidFill>
+          <a:ln>
+            <a:solidFill>
+              <a:srgbClr val="FFC000">
+                <a:alpha val="0"/>
+              </a:srgbClr>
+            </a:solidFill>
+          </a:ln>
+        </p:spPr>
+        <p:style>
+          <a:lnRef idx="2">
+            <a:schemeClr val="accent4">
+              <a:shade val="50000"/>
+            </a:schemeClr>
+          </a:lnRef>
+          <a:fillRef idx="1">
+            <a:schemeClr val="accent4"/>
+          </a:fillRef>
+          <a:effectRef idx="0">
+            <a:schemeClr val="accent4"/>
+          </a:effectRef>
+          <a:fontRef idx="minor">
+            <a:schemeClr val="lt1"/>
+          </a:fontRef>
+        </p:style>
+        <p:txBody>
+          <a:bodyPr rtlCol="0" anchor="ctr"/>
+          <a:lstStyle/>
+          <a:p>
+            <a:r>
+              <a:rPr lang="en-US" altLang="ko-KR" sz="3600" dirty="0" smtClean="0">
+                <a:ln w="0">
+                  <a:solidFill>
+                    <a:srgbClr val="FFC000">
+                      <a:alpha val="0"/>
+                    </a:srgbClr>
+                  </a:solidFill>
+                </a:ln>
+                <a:solidFill>
+                  <a:schemeClr val="tx1"/>
+                </a:solidFill>
+                <a:effectLst>
+                  <a:outerShdw blurRad="38100" dist="19050" dir="2700000" algn="tl" rotWithShape="0">
+                    <a:schemeClr val="dk1">
+                      <a:alpha val="40000"/>
+                    </a:schemeClr>
+                  </a:outerShdw>
+                </a:effectLst>
+                <a:latin typeface="HY헤드라인M" panose="02030600000101010101" pitchFamily="18" charset="-127"/>
+                <a:ea typeface="HY헤드라인M" panose="02030600000101010101" pitchFamily="18" charset="-127"/>
+              </a:rPr>
+              <a:t>3. </a:t>
+            </a:r>
+            <a:r>
+              <a:rPr lang="ko-KR" altLang="en-US" sz="3600" dirty="0" smtClean="0">
+                <a:ln w="0">
+                  <a:solidFill>
+                    <a:srgbClr val="FFC000">
+                      <a:alpha val="0"/>
+                    </a:srgbClr>
+                  </a:solidFill>
+                </a:ln>
+                <a:solidFill>
+                  <a:schemeClr val="tx1"/>
+                </a:solidFill>
+                <a:effectLst>
+                  <a:outerShdw blurRad="38100" dist="19050" dir="2700000" algn="tl" rotWithShape="0">
+                    <a:schemeClr val="dk1">
+                      <a:alpha val="40000"/>
+                    </a:schemeClr>
+                  </a:outerShdw>
+                </a:effectLst>
+                <a:latin typeface="HY헤드라인M" panose="02030600000101010101" pitchFamily="18" charset="-127"/>
+                <a:ea typeface="HY헤드라인M" panose="02030600000101010101" pitchFamily="18" charset="-127"/>
+              </a:rPr>
+              <a:t>프로젝트 내용</a:t>
+            </a:r>
+            <a:endParaRPr lang="en-US" altLang="ko-KR" sz="3600" dirty="0" smtClean="0">
+              <a:ln w="0">
+                <a:solidFill>
+                  <a:srgbClr val="FFC000">
+                    <a:alpha val="0"/>
+                  </a:srgbClr>
+                </a:solidFill>
+              </a:ln>
+              <a:solidFill>
+                <a:schemeClr val="tx1"/>
+              </a:solidFill>
+              <a:effectLst>
+                <a:outerShdw blurRad="38100" dist="19050" dir="2700000" algn="tl" rotWithShape="0">
+                  <a:schemeClr val="dk1">
+                    <a:alpha val="40000"/>
+                  </a:schemeClr>
+                </a:outerShdw>
+              </a:effectLst>
+              <a:latin typeface="HY헤드라인M" panose="02030600000101010101" pitchFamily="18" charset="-127"/>
+              <a:ea typeface="HY헤드라인M" panose="02030600000101010101" pitchFamily="18" charset="-127"/>
+            </a:endParaRPr>
+          </a:p>
+        </p:txBody>
+      </p:sp>
+    </p:spTree>
+    <p:extLst>
+      <p:ext uri="{BB962C8B-B14F-4D97-AF65-F5344CB8AC3E}">
+        <p14:creationId xmlns:p14="http://schemas.microsoft.com/office/powerpoint/2010/main" val="499413327"/>
+      </p:ext>
+    </p:extLst>
+  </p:cSld>
+  <p:clrMapOvr>
+    <a:masterClrMapping/>
+  </p:clrMapOvr>
+  <p:timing>
+    <p:tnLst>
+      <p:par>
+        <p:cTn id="1" dur="indefinite" restart="never" nodeType="tmRoot"/>
+      </p:par>
+    </p:tnLst>
+  </p:timing>
+</p:sld>
+</file>
+
+<file path=ppt/slides/slide11.xml><?xml version="1.0" encoding="utf-8"?>
+<p:sld xmlns:a="http://schemas.openxmlformats.org/drawingml/2006/main" xmlns:r="http://schemas.openxmlformats.org/officeDocument/2006/relationships" xmlns:p="http://schemas.openxmlformats.org/presentationml/2006/main">
+  <p:cSld>
+    <p:spTree>
+      <p:nvGrpSpPr>
+        <p:cNvPr id="1" name=""/>
+        <p:cNvGrpSpPr/>
+        <p:nvPr/>
+      </p:nvGrpSpPr>
+      <p:grpSpPr>
+        <a:xfrm>
+          <a:off x="0" y="0"/>
+          <a:ext cx="0" cy="0"/>
+          <a:chOff x="0" y="0"/>
+          <a:chExt cx="0" cy="0"/>
+        </a:xfrm>
+      </p:grpSpPr>
     </p:spTree>
     <p:extLst>
       <p:ext uri="{BB962C8B-B14F-4D97-AF65-F5344CB8AC3E}">
@@ -3305,7 +3462,7 @@
 </p:sld>
 </file>
 
-<file path=ppt/slides/slide11.xml><?xml version="1.0" encoding="utf-8"?>
+<file path=ppt/slides/slide12.xml><?xml version="1.0" encoding="utf-8"?>
 <p:sld xmlns:a="http://schemas.openxmlformats.org/drawingml/2006/main" xmlns:r="http://schemas.openxmlformats.org/officeDocument/2006/relationships" xmlns:p="http://schemas.openxmlformats.org/presentationml/2006/main">
   <p:cSld>
     <p:spTree>
@@ -3597,27 +3754,6 @@
               </a:rPr>
               <a:t>)</a:t>
             </a:r>
-            <a:endParaRPr lang="en-US" altLang="ko-KR" sz="3600" dirty="0" smtClean="0">
-              <a:ln w="0">
-                <a:solidFill>
-                  <a:srgbClr val="FFC000">
-                    <a:alpha val="0"/>
-                  </a:srgbClr>
-                </a:solidFill>
-              </a:ln>
-              <a:solidFill>
-                <a:schemeClr val="tx1"/>
-              </a:solidFill>
-              <a:effectLst>
-                <a:outerShdw blurRad="38100" dist="19050" dir="2700000" algn="tl" rotWithShape="0">
-                  <a:schemeClr val="dk1">
-                    <a:alpha val="40000"/>
-                  </a:schemeClr>
-                </a:outerShdw>
-              </a:effectLst>
-              <a:latin typeface="HY헤드라인M" panose="02030600000101010101" pitchFamily="18" charset="-127"/>
-              <a:ea typeface="HY헤드라인M" panose="02030600000101010101" pitchFamily="18" charset="-127"/>
-            </a:endParaRPr>
           </a:p>
         </p:txBody>
       </p:sp>
@@ -10274,58 +10410,90 @@
           </p:txBody>
         </p:sp>
       </p:grpSp>
-      <p:sp>
-        <p:nvSpPr>
-          <p:cNvPr id="12" name="직사각형 11"/>
-          <p:cNvSpPr/>
+      <p:grpSp>
+        <p:nvGrpSpPr>
+          <p:cNvPr id="3" name="그룹 2"/>
+          <p:cNvGrpSpPr/>
           <p:nvPr/>
-        </p:nvSpPr>
-        <p:spPr>
+        </p:nvGrpSpPr>
+        <p:grpSpPr>
           <a:xfrm>
-            <a:off x="9134375" y="1569741"/>
-            <a:ext cx="2646041" cy="1539219"/>
+            <a:off x="9134373" y="1569741"/>
+            <a:ext cx="2646043" cy="4954340"/>
+            <a:chOff x="9134373" y="1569741"/>
+            <a:chExt cx="2646043" cy="4954340"/>
           </a:xfrm>
-          <a:prstGeom prst="rect">
-            <a:avLst/>
-          </a:prstGeom>
-          <a:solidFill>
-            <a:schemeClr val="accent6">
-              <a:lumMod val="20000"/>
-              <a:lumOff val="80000"/>
-            </a:schemeClr>
-          </a:solidFill>
-          <a:ln>
+        </p:grpSpPr>
+        <p:sp>
+          <p:nvSpPr>
+            <p:cNvPr id="12" name="직사각형 11"/>
+            <p:cNvSpPr/>
+            <p:nvPr/>
+          </p:nvSpPr>
+          <p:spPr>
+            <a:xfrm>
+              <a:off x="9134375" y="1569741"/>
+              <a:ext cx="2646041" cy="1539219"/>
+            </a:xfrm>
+            <a:prstGeom prst="rect">
+              <a:avLst/>
+            </a:prstGeom>
             <a:solidFill>
+              <a:schemeClr val="accent6">
+                <a:lumMod val="20000"/>
+                <a:lumOff val="80000"/>
+              </a:schemeClr>
+            </a:solidFill>
+            <a:ln>
+              <a:solidFill>
+                <a:schemeClr val="accent1">
+                  <a:shade val="50000"/>
+                  <a:alpha val="0"/>
+                </a:schemeClr>
+              </a:solidFill>
+            </a:ln>
+          </p:spPr>
+          <p:style>
+            <a:lnRef idx="2">
               <a:schemeClr val="accent1">
                 <a:shade val="50000"/>
-                <a:alpha val="0"/>
               </a:schemeClr>
-            </a:solidFill>
-          </a:ln>
-        </p:spPr>
-        <p:style>
-          <a:lnRef idx="2">
-            <a:schemeClr val="accent1">
-              <a:shade val="50000"/>
-            </a:schemeClr>
-          </a:lnRef>
-          <a:fillRef idx="1">
-            <a:schemeClr val="accent1"/>
-          </a:fillRef>
-          <a:effectRef idx="0">
-            <a:schemeClr val="accent1"/>
-          </a:effectRef>
-          <a:fontRef idx="minor">
-            <a:schemeClr val="lt1"/>
-          </a:fontRef>
-        </p:style>
-        <p:txBody>
-          <a:bodyPr rtlCol="0" anchor="t" anchorCtr="0"/>
-          <a:lstStyle/>
-          <a:p>
-            <a:pPr algn="ctr"/>
-            <a:r>
-              <a:rPr lang="ko-KR" altLang="en-US" b="1" dirty="0" smtClean="0">
+            </a:lnRef>
+            <a:fillRef idx="1">
+              <a:schemeClr val="accent1"/>
+            </a:fillRef>
+            <a:effectRef idx="0">
+              <a:schemeClr val="accent1"/>
+            </a:effectRef>
+            <a:fontRef idx="minor">
+              <a:schemeClr val="lt1"/>
+            </a:fontRef>
+          </p:style>
+          <p:txBody>
+            <a:bodyPr rtlCol="0" anchor="t" anchorCtr="0"/>
+            <a:lstStyle/>
+            <a:p>
+              <a:pPr algn="ctr"/>
+              <a:r>
+                <a:rPr lang="ko-KR" altLang="en-US" sz="1600" b="1" dirty="0" smtClean="0">
+                  <a:ln>
+                    <a:solidFill>
+                      <a:schemeClr val="accent1">
+                        <a:shade val="50000"/>
+                        <a:alpha val="0"/>
+                      </a:schemeClr>
+                    </a:solidFill>
+                  </a:ln>
+                  <a:solidFill>
+                    <a:schemeClr val="tx1">
+                      <a:lumMod val="50000"/>
+                      <a:lumOff val="50000"/>
+                    </a:schemeClr>
+                  </a:solidFill>
+                </a:rPr>
+                <a:t>전태현</a:t>
+              </a:r>
+              <a:endParaRPr lang="en-US" altLang="ko-KR" sz="1600" b="1" dirty="0">
                 <a:ln>
                   <a:solidFill>
                     <a:schemeClr val="accent1">
@@ -10340,49 +10508,11 @@
                     <a:lumOff val="50000"/>
                   </a:schemeClr>
                 </a:solidFill>
-              </a:rPr>
-              <a:t>전태현</a:t>
-            </a:r>
-            <a:endParaRPr lang="en-US" altLang="ko-KR" b="1" dirty="0">
-              <a:ln>
-                <a:solidFill>
-                  <a:schemeClr val="accent1">
-                    <a:shade val="50000"/>
-                    <a:alpha val="0"/>
-                  </a:schemeClr>
-                </a:solidFill>
-              </a:ln>
-              <a:solidFill>
-                <a:schemeClr val="tx1">
-                  <a:lumMod val="50000"/>
-                  <a:lumOff val="50000"/>
-                </a:schemeClr>
-              </a:solidFill>
-            </a:endParaRPr>
-          </a:p>
-          <a:p>
-            <a:pPr algn="ctr"/>
-            <a:endParaRPr lang="en-US" altLang="ko-KR" sz="1050" dirty="0" smtClean="0">
-              <a:ln>
-                <a:solidFill>
-                  <a:schemeClr val="accent1">
-                    <a:shade val="50000"/>
-                    <a:alpha val="0"/>
-                  </a:schemeClr>
-                </a:solidFill>
-              </a:ln>
-              <a:solidFill>
-                <a:schemeClr val="tx1">
-                  <a:lumMod val="50000"/>
-                  <a:lumOff val="50000"/>
-                </a:schemeClr>
-              </a:solidFill>
-            </a:endParaRPr>
-          </a:p>
-          <a:p>
-            <a:pPr algn="ctr"/>
-            <a:r>
-              <a:rPr lang="ko-KR" altLang="en-US" sz="1400" dirty="0" smtClean="0">
+              </a:endParaRPr>
+            </a:p>
+            <a:p>
+              <a:pPr algn="ctr"/>
+              <a:endParaRPr lang="en-US" altLang="ko-KR" sz="1000" dirty="0" smtClean="0">
                 <a:ln>
                   <a:solidFill>
                     <a:schemeClr val="accent1">
@@ -10397,30 +10527,68 @@
                     <a:lumOff val="50000"/>
                   </a:schemeClr>
                 </a:solidFill>
-              </a:rPr>
-              <a:t>조장</a:t>
-            </a:r>
-            <a:endParaRPr lang="en-US" altLang="ko-KR" sz="1400" dirty="0" smtClean="0">
-              <a:ln>
-                <a:solidFill>
-                  <a:schemeClr val="accent1">
-                    <a:shade val="50000"/>
-                    <a:alpha val="0"/>
-                  </a:schemeClr>
-                </a:solidFill>
-              </a:ln>
-              <a:solidFill>
-                <a:schemeClr val="tx1">
-                  <a:lumMod val="50000"/>
-                  <a:lumOff val="50000"/>
-                </a:schemeClr>
-              </a:solidFill>
-            </a:endParaRPr>
-          </a:p>
-          <a:p>
-            <a:pPr algn="ctr"/>
-            <a:r>
-              <a:rPr lang="en-US" altLang="ko-KR" sz="1400" dirty="0" smtClean="0">
+              </a:endParaRPr>
+            </a:p>
+            <a:p>
+              <a:pPr algn="ctr"/>
+              <a:r>
+                <a:rPr lang="ko-KR" altLang="en-US" sz="1200" dirty="0" smtClean="0">
+                  <a:ln>
+                    <a:solidFill>
+                      <a:schemeClr val="accent1">
+                        <a:shade val="50000"/>
+                        <a:alpha val="0"/>
+                      </a:schemeClr>
+                    </a:solidFill>
+                  </a:ln>
+                  <a:solidFill>
+                    <a:schemeClr val="tx1">
+                      <a:lumMod val="50000"/>
+                      <a:lumOff val="50000"/>
+                    </a:schemeClr>
+                  </a:solidFill>
+                </a:rPr>
+                <a:t>조장 </a:t>
+              </a:r>
+              <a:r>
+                <a:rPr lang="en-US" altLang="ko-KR" sz="1200" dirty="0" smtClean="0">
+                  <a:ln>
+                    <a:solidFill>
+                      <a:schemeClr val="accent1">
+                        <a:shade val="50000"/>
+                        <a:alpha val="0"/>
+                      </a:schemeClr>
+                    </a:solidFill>
+                  </a:ln>
+                  <a:solidFill>
+                    <a:schemeClr val="tx1">
+                      <a:lumMod val="50000"/>
+                      <a:lumOff val="50000"/>
+                    </a:schemeClr>
+                  </a:solidFill>
+                </a:rPr>
+                <a:t>/ </a:t>
+              </a:r>
+              <a:r>
+                <a:rPr lang="ko-KR" altLang="en-US" sz="1200" dirty="0" smtClean="0">
+                  <a:ln>
+                    <a:solidFill>
+                      <a:schemeClr val="accent1">
+                        <a:shade val="50000"/>
+                        <a:alpha val="0"/>
+                      </a:schemeClr>
+                    </a:solidFill>
+                  </a:ln>
+                  <a:solidFill>
+                    <a:schemeClr val="tx1">
+                      <a:lumMod val="50000"/>
+                      <a:lumOff val="50000"/>
+                    </a:schemeClr>
+                  </a:solidFill>
+                </a:rPr>
+                <a:t>기획서 초안 작성 </a:t>
+              </a:r>
+              <a:endParaRPr lang="en-US" altLang="ko-KR" sz="1200" dirty="0" smtClean="0">
                 <a:ln>
                   <a:solidFill>
                     <a:schemeClr val="accent1">
@@ -10435,80 +10603,106 @@
                     <a:lumOff val="50000"/>
                   </a:schemeClr>
                 </a:solidFill>
-              </a:rPr>
-              <a:t>JSP/Servlet</a:t>
-            </a:r>
-            <a:endParaRPr lang="ko-KR" altLang="en-US" sz="1400" dirty="0">
-              <a:ln>
-                <a:solidFill>
-                  <a:schemeClr val="accent1">
-                    <a:shade val="50000"/>
-                    <a:alpha val="0"/>
-                  </a:schemeClr>
-                </a:solidFill>
-              </a:ln>
-              <a:solidFill>
-                <a:schemeClr val="tx1">
-                  <a:lumMod val="50000"/>
-                  <a:lumOff val="50000"/>
-                </a:schemeClr>
-              </a:solidFill>
-            </a:endParaRPr>
-          </a:p>
-        </p:txBody>
-      </p:sp>
-      <p:sp>
-        <p:nvSpPr>
-          <p:cNvPr id="13" name="직사각형 12"/>
-          <p:cNvSpPr/>
-          <p:nvPr/>
-        </p:nvSpPr>
-        <p:spPr>
-          <a:xfrm>
-            <a:off x="9134374" y="3277301"/>
-            <a:ext cx="2646041" cy="1539219"/>
-          </a:xfrm>
-          <a:prstGeom prst="rect">
-            <a:avLst/>
-          </a:prstGeom>
-          <a:solidFill>
-            <a:schemeClr val="accent6">
-              <a:lumMod val="20000"/>
-              <a:lumOff val="80000"/>
-            </a:schemeClr>
-          </a:solidFill>
-          <a:ln>
-            <a:solidFill>
-              <a:schemeClr val="accent1">
-                <a:shade val="50000"/>
-                <a:alpha val="0"/>
-              </a:schemeClr>
-            </a:solidFill>
-          </a:ln>
-        </p:spPr>
-        <p:style>
-          <a:lnRef idx="2">
-            <a:schemeClr val="accent1">
-              <a:shade val="50000"/>
-            </a:schemeClr>
-          </a:lnRef>
-          <a:fillRef idx="1">
-            <a:schemeClr val="accent1"/>
-          </a:fillRef>
-          <a:effectRef idx="0">
-            <a:schemeClr val="accent1"/>
-          </a:effectRef>
-          <a:fontRef idx="minor">
-            <a:schemeClr val="lt1"/>
-          </a:fontRef>
-        </p:style>
-        <p:txBody>
-          <a:bodyPr rtlCol="0" anchor="t" anchorCtr="0"/>
-          <a:lstStyle/>
-          <a:p>
-            <a:pPr algn="ctr"/>
-            <a:r>
-              <a:rPr lang="ko-KR" altLang="en-US" b="1" dirty="0" smtClean="0">
+              </a:endParaRPr>
+            </a:p>
+            <a:p>
+              <a:pPr algn="ctr"/>
+              <a:r>
+                <a:rPr lang="en-US" altLang="ko-KR" sz="1200" dirty="0">
+                  <a:ln>
+                    <a:solidFill>
+                      <a:schemeClr val="accent1">
+                        <a:shade val="50000"/>
+                        <a:alpha val="0"/>
+                      </a:schemeClr>
+                    </a:solidFill>
+                  </a:ln>
+                  <a:solidFill>
+                    <a:schemeClr val="tx1">
+                      <a:lumMod val="50000"/>
+                      <a:lumOff val="50000"/>
+                    </a:schemeClr>
+                  </a:solidFill>
+                </a:rPr>
+                <a:t>ERD</a:t>
+              </a:r>
+              <a:r>
+                <a:rPr lang="ko-KR" altLang="en-US" sz="1200" dirty="0" smtClean="0">
+                  <a:ln>
+                    <a:solidFill>
+                      <a:schemeClr val="accent1">
+                        <a:shade val="50000"/>
+                        <a:alpha val="0"/>
+                      </a:schemeClr>
+                    </a:solidFill>
+                  </a:ln>
+                  <a:solidFill>
+                    <a:schemeClr val="tx1">
+                      <a:lumMod val="50000"/>
+                      <a:lumOff val="50000"/>
+                    </a:schemeClr>
+                  </a:solidFill>
+                </a:rPr>
+                <a:t>작성</a:t>
+              </a:r>
+              <a:r>
+                <a:rPr lang="en-US" altLang="ko-KR" sz="1200" dirty="0">
+                  <a:ln>
+                    <a:solidFill>
+                      <a:schemeClr val="accent1">
+                        <a:shade val="50000"/>
+                        <a:alpha val="0"/>
+                      </a:schemeClr>
+                    </a:solidFill>
+                  </a:ln>
+                  <a:solidFill>
+                    <a:schemeClr val="tx1">
+                      <a:lumMod val="50000"/>
+                      <a:lumOff val="50000"/>
+                    </a:schemeClr>
+                  </a:solidFill>
+                </a:rPr>
+                <a:t> </a:t>
+              </a:r>
+              <a:r>
+                <a:rPr lang="en-US" altLang="ko-KR" sz="1200" dirty="0" smtClean="0">
+                  <a:ln>
+                    <a:solidFill>
+                      <a:schemeClr val="accent1">
+                        <a:shade val="50000"/>
+                        <a:alpha val="0"/>
+                      </a:schemeClr>
+                    </a:solidFill>
+                  </a:ln>
+                  <a:solidFill>
+                    <a:schemeClr val="tx1">
+                      <a:lumMod val="50000"/>
+                      <a:lumOff val="50000"/>
+                    </a:schemeClr>
+                  </a:solidFill>
+                </a:rPr>
+                <a:t>/ DB </a:t>
+              </a:r>
+              <a:r>
+                <a:rPr lang="ko-KR" altLang="en-US" sz="1200" dirty="0" smtClean="0">
+                  <a:ln>
+                    <a:solidFill>
+                      <a:schemeClr val="accent1">
+                        <a:shade val="50000"/>
+                        <a:alpha val="0"/>
+                      </a:schemeClr>
+                    </a:solidFill>
+                  </a:ln>
+                  <a:solidFill>
+                    <a:schemeClr val="tx1">
+                      <a:lumMod val="50000"/>
+                      <a:lumOff val="50000"/>
+                    </a:schemeClr>
+                  </a:solidFill>
+                </a:rPr>
+                <a:t>테이블 생성</a:t>
+              </a:r>
+              <a:endParaRPr lang="en-US" altLang="ko-KR" sz="1200" dirty="0" smtClean="0">
                 <a:ln>
                   <a:solidFill>
                     <a:schemeClr val="accent1">
@@ -10523,49 +10717,33 @@
                     <a:lumOff val="50000"/>
                   </a:schemeClr>
                 </a:solidFill>
-              </a:rPr>
-              <a:t>오수현</a:t>
-            </a:r>
-            <a:endParaRPr lang="en-US" altLang="ko-KR" b="1" dirty="0" smtClean="0">
-              <a:ln>
-                <a:solidFill>
-                  <a:schemeClr val="accent1">
-                    <a:shade val="50000"/>
-                    <a:alpha val="0"/>
-                  </a:schemeClr>
-                </a:solidFill>
-              </a:ln>
-              <a:solidFill>
-                <a:schemeClr val="tx1">
-                  <a:lumMod val="50000"/>
-                  <a:lumOff val="50000"/>
-                </a:schemeClr>
-              </a:solidFill>
-            </a:endParaRPr>
-          </a:p>
-          <a:p>
-            <a:pPr algn="ctr"/>
-            <a:endParaRPr lang="en-US" altLang="ko-KR" sz="1050" dirty="0" smtClean="0">
-              <a:ln>
-                <a:solidFill>
-                  <a:schemeClr val="accent1">
-                    <a:shade val="50000"/>
-                    <a:alpha val="0"/>
-                  </a:schemeClr>
-                </a:solidFill>
-              </a:ln>
-              <a:solidFill>
-                <a:schemeClr val="tx1">
-                  <a:lumMod val="50000"/>
-                  <a:lumOff val="50000"/>
-                </a:schemeClr>
-              </a:solidFill>
-            </a:endParaRPr>
-          </a:p>
-          <a:p>
-            <a:pPr algn="ctr"/>
-            <a:r>
-              <a:rPr lang="en-US" altLang="ko-KR" sz="1400" dirty="0" smtClean="0">
+              </a:endParaRPr>
+            </a:p>
+            <a:p>
+              <a:pPr algn="ctr"/>
+              <a:r>
+                <a:rPr lang="en-US" altLang="ko-KR" sz="1200" dirty="0" smtClean="0">
+                  <a:ln>
+                    <a:solidFill>
+                      <a:schemeClr val="accent1">
+                        <a:shade val="50000"/>
+                        <a:alpha val="0"/>
+                      </a:schemeClr>
+                    </a:solidFill>
+                  </a:ln>
+                  <a:solidFill>
+                    <a:schemeClr val="tx1">
+                      <a:lumMod val="50000"/>
+                      <a:lumOff val="50000"/>
+                    </a:schemeClr>
+                  </a:solidFill>
+                </a:rPr>
+                <a:t>JSP/Servlet</a:t>
+              </a:r>
+            </a:p>
+            <a:p>
+              <a:pPr algn="ctr"/>
+              <a:endParaRPr lang="en-US" altLang="ko-KR" sz="1200" dirty="0">
                 <a:ln>
                   <a:solidFill>
                     <a:schemeClr val="accent1">
@@ -10580,11 +10758,49 @@
                     <a:lumOff val="50000"/>
                   </a:schemeClr>
                 </a:solidFill>
-              </a:rPr>
-              <a:t>PPT / </a:t>
-            </a:r>
-            <a:r>
-              <a:rPr lang="ko-KR" altLang="en-US" sz="1400" dirty="0" smtClean="0">
+              </a:endParaRPr>
+            </a:p>
+            <a:p>
+              <a:pPr algn="ctr"/>
+              <a:r>
+                <a:rPr lang="en-US" altLang="ko-KR" sz="1200" dirty="0" smtClean="0">
+                  <a:ln>
+                    <a:solidFill>
+                      <a:schemeClr val="accent1">
+                        <a:shade val="50000"/>
+                        <a:alpha val="0"/>
+                      </a:schemeClr>
+                    </a:solidFill>
+                  </a:ln>
+                  <a:solidFill>
+                    <a:schemeClr val="tx1">
+                      <a:lumMod val="50000"/>
+                      <a:lumOff val="50000"/>
+                    </a:schemeClr>
+                  </a:solidFill>
+                </a:rPr>
+                <a:t>ORDER</a:t>
+              </a:r>
+              <a:r>
+                <a:rPr lang="ko-KR" altLang="en-US" sz="1200" dirty="0" smtClean="0">
+                  <a:ln>
+                    <a:solidFill>
+                      <a:schemeClr val="accent1">
+                        <a:shade val="50000"/>
+                        <a:alpha val="0"/>
+                      </a:schemeClr>
+                    </a:solidFill>
+                  </a:ln>
+                  <a:solidFill>
+                    <a:schemeClr val="tx1">
+                      <a:lumMod val="50000"/>
+                      <a:lumOff val="50000"/>
+                    </a:schemeClr>
+                  </a:solidFill>
+                </a:rPr>
+                <a:t> 구축</a:t>
+              </a:r>
+              <a:endParaRPr lang="ko-KR" altLang="en-US" sz="1200" dirty="0">
                 <a:ln>
                   <a:solidFill>
                     <a:schemeClr val="accent1">
@@ -10599,30 +10815,80 @@
                     <a:lumOff val="50000"/>
                   </a:schemeClr>
                 </a:solidFill>
-              </a:rPr>
-              <a:t>기획서 작성</a:t>
-            </a:r>
-            <a:endParaRPr lang="en-US" altLang="ko-KR" sz="1400" dirty="0" smtClean="0">
-              <a:ln>
-                <a:solidFill>
-                  <a:schemeClr val="accent1">
-                    <a:shade val="50000"/>
-                    <a:alpha val="0"/>
-                  </a:schemeClr>
-                </a:solidFill>
-              </a:ln>
+              </a:endParaRPr>
+            </a:p>
+          </p:txBody>
+        </p:sp>
+        <p:sp>
+          <p:nvSpPr>
+            <p:cNvPr id="13" name="직사각형 12"/>
+            <p:cNvSpPr/>
+            <p:nvPr/>
+          </p:nvSpPr>
+          <p:spPr>
+            <a:xfrm>
+              <a:off x="9134374" y="3277301"/>
+              <a:ext cx="2646041" cy="1539219"/>
+            </a:xfrm>
+            <a:prstGeom prst="rect">
+              <a:avLst/>
+            </a:prstGeom>
+            <a:solidFill>
+              <a:schemeClr val="accent6">
+                <a:lumMod val="20000"/>
+                <a:lumOff val="80000"/>
+              </a:schemeClr>
+            </a:solidFill>
+            <a:ln>
               <a:solidFill>
-                <a:schemeClr val="tx1">
-                  <a:lumMod val="50000"/>
-                  <a:lumOff val="50000"/>
+                <a:schemeClr val="accent1">
+                  <a:shade val="50000"/>
+                  <a:alpha val="0"/>
                 </a:schemeClr>
               </a:solidFill>
-            </a:endParaRPr>
-          </a:p>
-          <a:p>
-            <a:pPr algn="ctr"/>
-            <a:r>
-              <a:rPr lang="en-US" altLang="ko-KR" sz="1400" dirty="0" smtClean="0">
+            </a:ln>
+          </p:spPr>
+          <p:style>
+            <a:lnRef idx="2">
+              <a:schemeClr val="accent1">
+                <a:shade val="50000"/>
+              </a:schemeClr>
+            </a:lnRef>
+            <a:fillRef idx="1">
+              <a:schemeClr val="accent1"/>
+            </a:fillRef>
+            <a:effectRef idx="0">
+              <a:schemeClr val="accent1"/>
+            </a:effectRef>
+            <a:fontRef idx="minor">
+              <a:schemeClr val="lt1"/>
+            </a:fontRef>
+          </p:style>
+          <p:txBody>
+            <a:bodyPr rtlCol="0" anchor="t" anchorCtr="0"/>
+            <a:lstStyle/>
+            <a:p>
+              <a:pPr algn="ctr"/>
+              <a:r>
+                <a:rPr lang="ko-KR" altLang="en-US" sz="1600" b="1" dirty="0" smtClean="0">
+                  <a:ln>
+                    <a:solidFill>
+                      <a:schemeClr val="accent1">
+                        <a:shade val="50000"/>
+                        <a:alpha val="0"/>
+                      </a:schemeClr>
+                    </a:solidFill>
+                  </a:ln>
+                  <a:solidFill>
+                    <a:schemeClr val="tx1">
+                      <a:lumMod val="50000"/>
+                      <a:lumOff val="50000"/>
+                    </a:schemeClr>
+                  </a:solidFill>
+                </a:rPr>
+                <a:t>오수현</a:t>
+              </a:r>
+              <a:endParaRPr lang="en-US" altLang="ko-KR" sz="1600" b="1" dirty="0" smtClean="0">
                 <a:ln>
                   <a:solidFill>
                     <a:schemeClr val="accent1">
@@ -10637,11 +10903,11 @@
                     <a:lumOff val="50000"/>
                   </a:schemeClr>
                 </a:solidFill>
-              </a:rPr>
-              <a:t>ERD</a:t>
-            </a:r>
-            <a:r>
-              <a:rPr lang="ko-KR" altLang="en-US" sz="1400" dirty="0" smtClean="0">
+              </a:endParaRPr>
+            </a:p>
+            <a:p>
+              <a:pPr algn="ctr"/>
+              <a:endParaRPr lang="en-US" altLang="ko-KR" sz="1000" dirty="0" smtClean="0">
                 <a:ln>
                   <a:solidFill>
                     <a:schemeClr val="accent1">
@@ -10656,80 +10922,49 @@
                     <a:lumOff val="50000"/>
                   </a:schemeClr>
                 </a:solidFill>
-              </a:rPr>
-              <a:t>작성</a:t>
-            </a:r>
-            <a:endParaRPr lang="ko-KR" altLang="en-US" sz="1400" dirty="0">
-              <a:ln>
-                <a:solidFill>
-                  <a:schemeClr val="accent1">
-                    <a:shade val="50000"/>
-                    <a:alpha val="0"/>
-                  </a:schemeClr>
-                </a:solidFill>
-              </a:ln>
-              <a:solidFill>
-                <a:schemeClr val="tx1">
-                  <a:lumMod val="50000"/>
-                  <a:lumOff val="50000"/>
-                </a:schemeClr>
-              </a:solidFill>
-            </a:endParaRPr>
-          </a:p>
-        </p:txBody>
-      </p:sp>
-      <p:sp>
-        <p:nvSpPr>
-          <p:cNvPr id="14" name="직사각형 13"/>
-          <p:cNvSpPr/>
-          <p:nvPr/>
-        </p:nvSpPr>
-        <p:spPr>
-          <a:xfrm>
-            <a:off x="9134373" y="4984862"/>
-            <a:ext cx="2646041" cy="1539219"/>
-          </a:xfrm>
-          <a:prstGeom prst="rect">
-            <a:avLst/>
-          </a:prstGeom>
-          <a:solidFill>
-            <a:schemeClr val="accent6">
-              <a:lumMod val="20000"/>
-              <a:lumOff val="80000"/>
-            </a:schemeClr>
-          </a:solidFill>
-          <a:ln>
-            <a:solidFill>
-              <a:schemeClr val="accent1">
-                <a:shade val="50000"/>
-                <a:alpha val="0"/>
-              </a:schemeClr>
-            </a:solidFill>
-          </a:ln>
-        </p:spPr>
-        <p:style>
-          <a:lnRef idx="2">
-            <a:schemeClr val="accent1">
-              <a:shade val="50000"/>
-            </a:schemeClr>
-          </a:lnRef>
-          <a:fillRef idx="1">
-            <a:schemeClr val="accent1"/>
-          </a:fillRef>
-          <a:effectRef idx="0">
-            <a:schemeClr val="accent1"/>
-          </a:effectRef>
-          <a:fontRef idx="minor">
-            <a:schemeClr val="lt1"/>
-          </a:fontRef>
-        </p:style>
-        <p:txBody>
-          <a:bodyPr rtlCol="0" anchor="t" anchorCtr="0"/>
-          <a:lstStyle/>
-          <a:p>
-            <a:pPr algn="ctr"/>
-            <a:r>
-              <a:rPr lang="ko-KR" altLang="en-US" b="1" dirty="0" smtClean="0">
+              </a:endParaRPr>
+            </a:p>
+            <a:p>
+              <a:pPr algn="ctr"/>
+              <a:r>
+                <a:rPr lang="en-US" altLang="ko-KR" sz="1200" dirty="0" smtClean="0">
+                  <a:ln>
+                    <a:solidFill>
+                      <a:schemeClr val="accent1">
+                        <a:shade val="50000"/>
+                        <a:alpha val="0"/>
+                      </a:schemeClr>
+                    </a:solidFill>
+                  </a:ln>
+                  <a:solidFill>
+                    <a:schemeClr val="tx1">
+                      <a:lumMod val="50000"/>
+                      <a:lumOff val="50000"/>
+                    </a:schemeClr>
+                  </a:solidFill>
+                </a:rPr>
+                <a:t>PPT / </a:t>
+              </a:r>
+              <a:r>
+                <a:rPr lang="ko-KR" altLang="en-US" sz="1200" dirty="0" smtClean="0">
+                  <a:ln>
+                    <a:solidFill>
+                      <a:schemeClr val="accent1">
+                        <a:shade val="50000"/>
+                        <a:alpha val="0"/>
+                      </a:schemeClr>
+                    </a:solidFill>
+                  </a:ln>
+                  <a:solidFill>
+                    <a:schemeClr val="tx1">
+                      <a:lumMod val="50000"/>
+                      <a:lumOff val="50000"/>
+                    </a:schemeClr>
+                  </a:solidFill>
+                </a:rPr>
+                <a:t>기획서 작성 </a:t>
+              </a:r>
+              <a:endParaRPr lang="en-US" altLang="ko-KR" sz="1200" dirty="0" smtClean="0">
                 <a:ln>
                   <a:solidFill>
                     <a:schemeClr val="accent1">
@@ -10744,49 +10979,87 @@
                     <a:lumOff val="50000"/>
                   </a:schemeClr>
                 </a:solidFill>
-              </a:rPr>
-              <a:t>배범수</a:t>
-            </a:r>
-            <a:endParaRPr lang="en-US" altLang="ko-KR" b="1" dirty="0" smtClean="0">
-              <a:ln>
-                <a:solidFill>
-                  <a:schemeClr val="accent1">
-                    <a:shade val="50000"/>
-                    <a:alpha val="0"/>
-                  </a:schemeClr>
-                </a:solidFill>
-              </a:ln>
-              <a:solidFill>
-                <a:schemeClr val="tx1">
-                  <a:lumMod val="50000"/>
-                  <a:lumOff val="50000"/>
-                </a:schemeClr>
-              </a:solidFill>
-            </a:endParaRPr>
-          </a:p>
-          <a:p>
-            <a:pPr algn="ctr"/>
-            <a:endParaRPr lang="en-US" altLang="ko-KR" sz="1050" dirty="0" smtClean="0">
-              <a:ln>
-                <a:solidFill>
-                  <a:schemeClr val="accent1">
-                    <a:shade val="50000"/>
-                    <a:alpha val="0"/>
-                  </a:schemeClr>
-                </a:solidFill>
-              </a:ln>
-              <a:solidFill>
-                <a:schemeClr val="tx1">
-                  <a:lumMod val="50000"/>
-                  <a:lumOff val="50000"/>
-                </a:schemeClr>
-              </a:solidFill>
-            </a:endParaRPr>
-          </a:p>
-          <a:p>
-            <a:pPr algn="ctr"/>
-            <a:r>
-              <a:rPr lang="ko-KR" altLang="en-US" sz="1400" dirty="0" smtClean="0">
+              </a:endParaRPr>
+            </a:p>
+            <a:p>
+              <a:pPr algn="ctr"/>
+              <a:r>
+                <a:rPr lang="en-US" altLang="ko-KR" sz="1200" dirty="0" smtClean="0">
+                  <a:ln>
+                    <a:solidFill>
+                      <a:schemeClr val="accent1">
+                        <a:shade val="50000"/>
+                        <a:alpha val="0"/>
+                      </a:schemeClr>
+                    </a:solidFill>
+                  </a:ln>
+                  <a:solidFill>
+                    <a:schemeClr val="tx1">
+                      <a:lumMod val="50000"/>
+                      <a:lumOff val="50000"/>
+                    </a:schemeClr>
+                  </a:solidFill>
+                </a:rPr>
+                <a:t>ERD</a:t>
+              </a:r>
+              <a:r>
+                <a:rPr lang="ko-KR" altLang="en-US" sz="1200" dirty="0" smtClean="0">
+                  <a:ln>
+                    <a:solidFill>
+                      <a:schemeClr val="accent1">
+                        <a:shade val="50000"/>
+                        <a:alpha val="0"/>
+                      </a:schemeClr>
+                    </a:solidFill>
+                  </a:ln>
+                  <a:solidFill>
+                    <a:schemeClr val="tx1">
+                      <a:lumMod val="50000"/>
+                      <a:lumOff val="50000"/>
+                    </a:schemeClr>
+                  </a:solidFill>
+                </a:rPr>
+                <a:t>작성 </a:t>
+              </a:r>
+              <a:r>
+                <a:rPr lang="en-US" altLang="ko-KR" sz="1200" dirty="0" smtClean="0">
+                  <a:ln>
+                    <a:solidFill>
+                      <a:schemeClr val="accent1">
+                        <a:shade val="50000"/>
+                        <a:alpha val="0"/>
+                      </a:schemeClr>
+                    </a:solidFill>
+                  </a:ln>
+                  <a:solidFill>
+                    <a:schemeClr val="tx1">
+                      <a:lumMod val="50000"/>
+                      <a:lumOff val="50000"/>
+                    </a:schemeClr>
+                  </a:solidFill>
+                </a:rPr>
+                <a:t>/ AWS DB </a:t>
+              </a:r>
+              <a:r>
+                <a:rPr lang="ko-KR" altLang="en-US" sz="1200" dirty="0" smtClean="0">
+                  <a:ln>
+                    <a:solidFill>
+                      <a:schemeClr val="accent1">
+                        <a:shade val="50000"/>
+                        <a:alpha val="0"/>
+                      </a:schemeClr>
+                    </a:solidFill>
+                  </a:ln>
+                  <a:solidFill>
+                    <a:schemeClr val="tx1">
+                      <a:lumMod val="50000"/>
+                      <a:lumOff val="50000"/>
+                    </a:schemeClr>
+                  </a:solidFill>
+                </a:rPr>
+                <a:t>구축 및 연동</a:t>
+              </a:r>
+              <a:endParaRPr lang="en-US" altLang="ko-KR" sz="1200" dirty="0" smtClean="0">
                 <a:ln>
                   <a:solidFill>
                     <a:schemeClr val="accent1">
@@ -10801,30 +11074,52 @@
                     <a:lumOff val="50000"/>
                   </a:schemeClr>
                 </a:solidFill>
-              </a:rPr>
-              <a:t>화면 레이아웃 설계</a:t>
-            </a:r>
-            <a:endParaRPr lang="en-US" altLang="ko-KR" sz="1400" dirty="0" smtClean="0">
-              <a:ln>
-                <a:solidFill>
-                  <a:schemeClr val="accent1">
-                    <a:shade val="50000"/>
-                    <a:alpha val="0"/>
-                  </a:schemeClr>
-                </a:solidFill>
-              </a:ln>
-              <a:solidFill>
-                <a:schemeClr val="tx1">
-                  <a:lumMod val="50000"/>
-                  <a:lumOff val="50000"/>
-                </a:schemeClr>
-              </a:solidFill>
-            </a:endParaRPr>
-          </a:p>
-          <a:p>
-            <a:pPr algn="ctr"/>
-            <a:r>
-              <a:rPr lang="en-US" altLang="ko-KR" sz="1400" dirty="0" smtClean="0">
+              </a:endParaRPr>
+            </a:p>
+            <a:p>
+              <a:pPr algn="ctr"/>
+              <a:r>
+                <a:rPr lang="ko-KR" altLang="en-US" sz="1200" dirty="0" smtClean="0">
+                  <a:ln>
+                    <a:solidFill>
+                      <a:schemeClr val="accent1">
+                        <a:shade val="50000"/>
+                        <a:alpha val="0"/>
+                      </a:schemeClr>
+                    </a:solidFill>
+                  </a:ln>
+                  <a:solidFill>
+                    <a:schemeClr val="tx1">
+                      <a:lumMod val="50000"/>
+                      <a:lumOff val="50000"/>
+                    </a:schemeClr>
+                  </a:solidFill>
+                </a:rPr>
+                <a:t>화면 레이아웃 설계</a:t>
+              </a:r>
+              <a:r>
+                <a:rPr lang="en-US" altLang="ko-KR" sz="1200" dirty="0" smtClean="0">
+                  <a:ln>
+                    <a:solidFill>
+                      <a:schemeClr val="accent1">
+                        <a:shade val="50000"/>
+                        <a:alpha val="0"/>
+                      </a:schemeClr>
+                    </a:solidFill>
+                  </a:ln>
+                  <a:solidFill>
+                    <a:schemeClr val="tx1">
+                      <a:lumMod val="50000"/>
+                      <a:lumOff val="50000"/>
+                    </a:schemeClr>
+                  </a:solidFill>
+                </a:rPr>
+                <a:t>(PPT)</a:t>
+              </a:r>
+            </a:p>
+            <a:p>
+              <a:pPr algn="ctr"/>
+              <a:endParaRPr lang="en-US" altLang="ko-KR" sz="1200" dirty="0">
                 <a:ln>
                   <a:solidFill>
                     <a:schemeClr val="accent1">
@@ -10839,11 +11134,49 @@
                     <a:lumOff val="50000"/>
                   </a:schemeClr>
                 </a:solidFill>
-              </a:rPr>
-              <a:t>DB </a:t>
-            </a:r>
-            <a:r>
-              <a:rPr lang="ko-KR" altLang="en-US" sz="1400" dirty="0" smtClean="0">
+              </a:endParaRPr>
+            </a:p>
+            <a:p>
+              <a:pPr algn="ctr"/>
+              <a:r>
+                <a:rPr lang="en-US" altLang="ko-KR" sz="1200" dirty="0" smtClean="0">
+                  <a:ln>
+                    <a:solidFill>
+                      <a:schemeClr val="accent1">
+                        <a:shade val="50000"/>
+                        <a:alpha val="0"/>
+                      </a:schemeClr>
+                    </a:solidFill>
+                  </a:ln>
+                  <a:solidFill>
+                    <a:schemeClr val="tx1">
+                      <a:lumMod val="50000"/>
+                      <a:lumOff val="50000"/>
+                    </a:schemeClr>
+                  </a:solidFill>
+                </a:rPr>
+                <a:t>BBS</a:t>
+              </a:r>
+              <a:r>
+                <a:rPr lang="ko-KR" altLang="en-US" sz="1200" dirty="0" smtClean="0">
+                  <a:ln>
+                    <a:solidFill>
+                      <a:schemeClr val="accent1">
+                        <a:shade val="50000"/>
+                        <a:alpha val="0"/>
+                      </a:schemeClr>
+                    </a:solidFill>
+                  </a:ln>
+                  <a:solidFill>
+                    <a:schemeClr val="tx1">
+                      <a:lumMod val="50000"/>
+                      <a:lumOff val="50000"/>
+                    </a:schemeClr>
+                  </a:solidFill>
+                </a:rPr>
+                <a:t> 구축</a:t>
+              </a:r>
+              <a:endParaRPr lang="ko-KR" altLang="en-US" sz="1200" dirty="0">
                 <a:ln>
                   <a:solidFill>
                     <a:schemeClr val="accent1">
@@ -10858,30 +11191,80 @@
                     <a:lumOff val="50000"/>
                   </a:schemeClr>
                 </a:solidFill>
-              </a:rPr>
-              <a:t>테이블 생성</a:t>
-            </a:r>
-            <a:endParaRPr lang="en-US" altLang="ko-KR" sz="1400" dirty="0" smtClean="0">
-              <a:ln>
-                <a:solidFill>
-                  <a:schemeClr val="accent1">
-                    <a:shade val="50000"/>
-                    <a:alpha val="0"/>
-                  </a:schemeClr>
-                </a:solidFill>
-              </a:ln>
+              </a:endParaRPr>
+            </a:p>
+          </p:txBody>
+        </p:sp>
+        <p:sp>
+          <p:nvSpPr>
+            <p:cNvPr id="14" name="직사각형 13"/>
+            <p:cNvSpPr/>
+            <p:nvPr/>
+          </p:nvSpPr>
+          <p:spPr>
+            <a:xfrm>
+              <a:off x="9134373" y="4984862"/>
+              <a:ext cx="2646041" cy="1539219"/>
+            </a:xfrm>
+            <a:prstGeom prst="rect">
+              <a:avLst/>
+            </a:prstGeom>
+            <a:solidFill>
+              <a:schemeClr val="accent6">
+                <a:lumMod val="20000"/>
+                <a:lumOff val="80000"/>
+              </a:schemeClr>
+            </a:solidFill>
+            <a:ln>
               <a:solidFill>
-                <a:schemeClr val="tx1">
-                  <a:lumMod val="50000"/>
-                  <a:lumOff val="50000"/>
+                <a:schemeClr val="accent1">
+                  <a:shade val="50000"/>
+                  <a:alpha val="0"/>
                 </a:schemeClr>
               </a:solidFill>
-            </a:endParaRPr>
-          </a:p>
-          <a:p>
-            <a:pPr algn="ctr"/>
-            <a:r>
-              <a:rPr lang="ko-KR" altLang="en-US" sz="1400" dirty="0" smtClean="0">
+            </a:ln>
+          </p:spPr>
+          <p:style>
+            <a:lnRef idx="2">
+              <a:schemeClr val="accent1">
+                <a:shade val="50000"/>
+              </a:schemeClr>
+            </a:lnRef>
+            <a:fillRef idx="1">
+              <a:schemeClr val="accent1"/>
+            </a:fillRef>
+            <a:effectRef idx="0">
+              <a:schemeClr val="accent1"/>
+            </a:effectRef>
+            <a:fontRef idx="minor">
+              <a:schemeClr val="lt1"/>
+            </a:fontRef>
+          </p:style>
+          <p:txBody>
+            <a:bodyPr rtlCol="0" anchor="t" anchorCtr="0"/>
+            <a:lstStyle/>
+            <a:p>
+              <a:pPr algn="ctr"/>
+              <a:r>
+                <a:rPr lang="ko-KR" altLang="en-US" sz="1600" b="1" dirty="0" smtClean="0">
+                  <a:ln>
+                    <a:solidFill>
+                      <a:schemeClr val="accent1">
+                        <a:shade val="50000"/>
+                        <a:alpha val="0"/>
+                      </a:schemeClr>
+                    </a:solidFill>
+                  </a:ln>
+                  <a:solidFill>
+                    <a:schemeClr val="tx1">
+                      <a:lumMod val="50000"/>
+                      <a:lumOff val="50000"/>
+                    </a:schemeClr>
+                  </a:solidFill>
+                </a:rPr>
+                <a:t>배범수</a:t>
+              </a:r>
+              <a:endParaRPr lang="en-US" altLang="ko-KR" sz="1600" b="1" dirty="0" smtClean="0">
                 <a:ln>
                   <a:solidFill>
                     <a:schemeClr val="accent1">
@@ -10896,28 +11279,280 @@
                     <a:lumOff val="50000"/>
                   </a:schemeClr>
                 </a:solidFill>
-              </a:rPr>
-              <a:t>발표</a:t>
-            </a:r>
-            <a:endParaRPr lang="ko-KR" altLang="en-US" sz="1400" dirty="0">
-              <a:ln>
+              </a:endParaRPr>
+            </a:p>
+            <a:p>
+              <a:pPr algn="ctr"/>
+              <a:endParaRPr lang="en-US" altLang="ko-KR" sz="1000" dirty="0" smtClean="0">
+                <a:ln>
+                  <a:solidFill>
+                    <a:schemeClr val="accent1">
+                      <a:shade val="50000"/>
+                      <a:alpha val="0"/>
+                    </a:schemeClr>
+                  </a:solidFill>
+                </a:ln>
                 <a:solidFill>
-                  <a:schemeClr val="accent1">
-                    <a:shade val="50000"/>
-                    <a:alpha val="0"/>
+                  <a:schemeClr val="tx1">
+                    <a:lumMod val="50000"/>
+                    <a:lumOff val="50000"/>
                   </a:schemeClr>
                 </a:solidFill>
-              </a:ln>
-              <a:solidFill>
-                <a:schemeClr val="tx1">
-                  <a:lumMod val="50000"/>
-                  <a:lumOff val="50000"/>
-                </a:schemeClr>
-              </a:solidFill>
-            </a:endParaRPr>
-          </a:p>
-        </p:txBody>
-      </p:sp>
+              </a:endParaRPr>
+            </a:p>
+            <a:p>
+              <a:pPr algn="ctr"/>
+              <a:r>
+                <a:rPr lang="ko-KR" altLang="en-US" sz="1200" dirty="0" smtClean="0">
+                  <a:ln>
+                    <a:solidFill>
+                      <a:schemeClr val="accent1">
+                        <a:shade val="50000"/>
+                        <a:alpha val="0"/>
+                      </a:schemeClr>
+                    </a:solidFill>
+                  </a:ln>
+                  <a:solidFill>
+                    <a:schemeClr val="tx1">
+                      <a:lumMod val="50000"/>
+                      <a:lumOff val="50000"/>
+                    </a:schemeClr>
+                  </a:solidFill>
+                </a:rPr>
+                <a:t>화면 레이아웃 설계</a:t>
+              </a:r>
+              <a:r>
+                <a:rPr lang="en-US" altLang="ko-KR" sz="1200" dirty="0" smtClean="0">
+                  <a:ln>
+                    <a:solidFill>
+                      <a:schemeClr val="accent1">
+                        <a:shade val="50000"/>
+                        <a:alpha val="0"/>
+                      </a:schemeClr>
+                    </a:solidFill>
+                  </a:ln>
+                  <a:solidFill>
+                    <a:schemeClr val="tx1">
+                      <a:lumMod val="50000"/>
+                      <a:lumOff val="50000"/>
+                    </a:schemeClr>
+                  </a:solidFill>
+                </a:rPr>
+                <a:t>(HTML)</a:t>
+              </a:r>
+            </a:p>
+            <a:p>
+              <a:pPr algn="ctr"/>
+              <a:r>
+                <a:rPr lang="en-US" altLang="ko-KR" sz="1200" dirty="0">
+                  <a:ln>
+                    <a:solidFill>
+                      <a:schemeClr val="accent1">
+                        <a:shade val="50000"/>
+                        <a:alpha val="0"/>
+                      </a:schemeClr>
+                    </a:solidFill>
+                  </a:ln>
+                  <a:solidFill>
+                    <a:schemeClr val="tx1">
+                      <a:lumMod val="50000"/>
+                      <a:lumOff val="50000"/>
+                    </a:schemeClr>
+                  </a:solidFill>
+                </a:rPr>
+                <a:t>ERD</a:t>
+              </a:r>
+              <a:r>
+                <a:rPr lang="ko-KR" altLang="en-US" sz="1200" dirty="0" smtClean="0">
+                  <a:ln>
+                    <a:solidFill>
+                      <a:schemeClr val="accent1">
+                        <a:shade val="50000"/>
+                        <a:alpha val="0"/>
+                      </a:schemeClr>
+                    </a:solidFill>
+                  </a:ln>
+                  <a:solidFill>
+                    <a:schemeClr val="tx1">
+                      <a:lumMod val="50000"/>
+                      <a:lumOff val="50000"/>
+                    </a:schemeClr>
+                  </a:solidFill>
+                </a:rPr>
+                <a:t>작성</a:t>
+              </a:r>
+              <a:r>
+                <a:rPr lang="en-US" altLang="ko-KR" sz="1200" dirty="0">
+                  <a:ln>
+                    <a:solidFill>
+                      <a:schemeClr val="accent1">
+                        <a:shade val="50000"/>
+                        <a:alpha val="0"/>
+                      </a:schemeClr>
+                    </a:solidFill>
+                  </a:ln>
+                  <a:solidFill>
+                    <a:schemeClr val="tx1">
+                      <a:lumMod val="50000"/>
+                      <a:lumOff val="50000"/>
+                    </a:schemeClr>
+                  </a:solidFill>
+                </a:rPr>
+                <a:t> </a:t>
+              </a:r>
+              <a:r>
+                <a:rPr lang="en-US" altLang="ko-KR" sz="1200" dirty="0" smtClean="0">
+                  <a:ln>
+                    <a:solidFill>
+                      <a:schemeClr val="accent1">
+                        <a:shade val="50000"/>
+                        <a:alpha val="0"/>
+                      </a:schemeClr>
+                    </a:solidFill>
+                  </a:ln>
+                  <a:solidFill>
+                    <a:schemeClr val="tx1">
+                      <a:lumMod val="50000"/>
+                      <a:lumOff val="50000"/>
+                    </a:schemeClr>
+                  </a:solidFill>
+                </a:rPr>
+                <a:t>/ DB </a:t>
+              </a:r>
+              <a:r>
+                <a:rPr lang="ko-KR" altLang="en-US" sz="1200" dirty="0" smtClean="0">
+                  <a:ln>
+                    <a:solidFill>
+                      <a:schemeClr val="accent1">
+                        <a:shade val="50000"/>
+                        <a:alpha val="0"/>
+                      </a:schemeClr>
+                    </a:solidFill>
+                  </a:ln>
+                  <a:solidFill>
+                    <a:schemeClr val="tx1">
+                      <a:lumMod val="50000"/>
+                      <a:lumOff val="50000"/>
+                    </a:schemeClr>
+                  </a:solidFill>
+                </a:rPr>
+                <a:t>테이블 생성</a:t>
+              </a:r>
+              <a:endParaRPr lang="en-US" altLang="ko-KR" sz="1200" dirty="0">
+                <a:ln>
+                  <a:solidFill>
+                    <a:schemeClr val="accent1">
+                      <a:shade val="50000"/>
+                      <a:alpha val="0"/>
+                    </a:schemeClr>
+                  </a:solidFill>
+                </a:ln>
+                <a:solidFill>
+                  <a:schemeClr val="tx1">
+                    <a:lumMod val="50000"/>
+                    <a:lumOff val="50000"/>
+                  </a:schemeClr>
+                </a:solidFill>
+              </a:endParaRPr>
+            </a:p>
+            <a:p>
+              <a:pPr algn="ctr"/>
+              <a:endParaRPr lang="en-US" altLang="ko-KR" sz="1200" dirty="0" smtClean="0">
+                <a:ln>
+                  <a:solidFill>
+                    <a:schemeClr val="accent1">
+                      <a:shade val="50000"/>
+                      <a:alpha val="0"/>
+                    </a:schemeClr>
+                  </a:solidFill>
+                </a:ln>
+                <a:solidFill>
+                  <a:schemeClr val="tx1">
+                    <a:lumMod val="50000"/>
+                    <a:lumOff val="50000"/>
+                  </a:schemeClr>
+                </a:solidFill>
+              </a:endParaRPr>
+            </a:p>
+            <a:p>
+              <a:pPr algn="ctr"/>
+              <a:endParaRPr lang="en-US" altLang="ko-KR" sz="1200" dirty="0">
+                <a:ln>
+                  <a:solidFill>
+                    <a:schemeClr val="accent1">
+                      <a:shade val="50000"/>
+                      <a:alpha val="0"/>
+                    </a:schemeClr>
+                  </a:solidFill>
+                </a:ln>
+                <a:solidFill>
+                  <a:schemeClr val="tx1">
+                    <a:lumMod val="50000"/>
+                    <a:lumOff val="50000"/>
+                  </a:schemeClr>
+                </a:solidFill>
+              </a:endParaRPr>
+            </a:p>
+            <a:p>
+              <a:pPr algn="ctr"/>
+              <a:r>
+                <a:rPr lang="en-US" altLang="ko-KR" sz="1200" dirty="0" smtClean="0">
+                  <a:ln>
+                    <a:solidFill>
+                      <a:schemeClr val="accent1">
+                        <a:shade val="50000"/>
+                        <a:alpha val="0"/>
+                      </a:schemeClr>
+                    </a:solidFill>
+                  </a:ln>
+                  <a:solidFill>
+                    <a:schemeClr val="tx1">
+                      <a:lumMod val="50000"/>
+                      <a:lumOff val="50000"/>
+                    </a:schemeClr>
+                  </a:solidFill>
+                </a:rPr>
+                <a:t>Login/Join </a:t>
+              </a:r>
+              <a:r>
+                <a:rPr lang="ko-KR" altLang="en-US" sz="1200" dirty="0" smtClean="0">
+                  <a:ln>
+                    <a:solidFill>
+                      <a:schemeClr val="accent1">
+                        <a:shade val="50000"/>
+                        <a:alpha val="0"/>
+                      </a:schemeClr>
+                    </a:solidFill>
+                  </a:ln>
+                  <a:solidFill>
+                    <a:schemeClr val="tx1">
+                      <a:lumMod val="50000"/>
+                      <a:lumOff val="50000"/>
+                    </a:schemeClr>
+                  </a:solidFill>
+                </a:rPr>
+                <a:t>구축</a:t>
+              </a:r>
+              <a:endParaRPr lang="en-US" altLang="ko-KR" sz="1200" dirty="0" smtClean="0">
+                <a:ln>
+                  <a:solidFill>
+                    <a:schemeClr val="accent1">
+                      <a:shade val="50000"/>
+                      <a:alpha val="0"/>
+                    </a:schemeClr>
+                  </a:solidFill>
+                </a:ln>
+                <a:solidFill>
+                  <a:schemeClr val="tx1">
+                    <a:lumMod val="50000"/>
+                    <a:lumOff val="50000"/>
+                  </a:schemeClr>
+                </a:solidFill>
+              </a:endParaRPr>
+            </a:p>
+          </p:txBody>
+        </p:sp>
+      </p:grpSp>
     </p:spTree>
     <p:extLst>
       <p:ext uri="{BB962C8B-B14F-4D97-AF65-F5344CB8AC3E}">
@@ -11595,6 +12230,1146 @@
           </a:p>
         </p:txBody>
       </p:sp>
+      <p:sp>
+        <p:nvSpPr>
+          <p:cNvPr id="3" name="TextBox 2"/>
+          <p:cNvSpPr txBox="1"/>
+          <p:nvPr/>
+        </p:nvSpPr>
+        <p:spPr>
+          <a:xfrm>
+            <a:off x="332541" y="909337"/>
+            <a:ext cx="5043922" cy="461665"/>
+          </a:xfrm>
+          <a:prstGeom prst="rect">
+            <a:avLst/>
+          </a:prstGeom>
+          <a:noFill/>
+        </p:spPr>
+        <p:txBody>
+          <a:bodyPr wrap="square" rtlCol="0">
+            <a:spAutoFit/>
+          </a:bodyPr>
+          <a:lstStyle/>
+          <a:p>
+            <a:pPr marL="342900" indent="-342900">
+              <a:buFont typeface="Wingdings" panose="05000000000000000000" pitchFamily="2" charset="2"/>
+              <a:buChar char="v"/>
+            </a:pPr>
+            <a:r>
+              <a:rPr lang="ko-KR" altLang="en-US" sz="2400" b="1" dirty="0" smtClean="0">
+                <a:ln>
+                  <a:solidFill>
+                    <a:srgbClr val="FFC000">
+                      <a:alpha val="0"/>
+                    </a:srgbClr>
+                  </a:solidFill>
+                </a:ln>
+                <a:latin typeface="+mj-ea"/>
+                <a:ea typeface="+mj-ea"/>
+              </a:rPr>
+              <a:t>테이블 구조</a:t>
+            </a:r>
+            <a:endParaRPr lang="en-US" altLang="ko-KR" sz="2400" b="1" dirty="0" smtClean="0">
+              <a:ln>
+                <a:solidFill>
+                  <a:srgbClr val="FFC000">
+                    <a:alpha val="0"/>
+                  </a:srgbClr>
+                </a:solidFill>
+              </a:ln>
+              <a:latin typeface="+mj-ea"/>
+              <a:ea typeface="+mj-ea"/>
+            </a:endParaRPr>
+          </a:p>
+        </p:txBody>
+      </p:sp>
+      <p:grpSp>
+        <p:nvGrpSpPr>
+          <p:cNvPr id="25" name="그룹 24"/>
+          <p:cNvGrpSpPr/>
+          <p:nvPr/>
+        </p:nvGrpSpPr>
+        <p:grpSpPr>
+          <a:xfrm>
+            <a:off x="6465694" y="1623895"/>
+            <a:ext cx="4013596" cy="1355196"/>
+            <a:chOff x="440794" y="1539554"/>
+            <a:chExt cx="3463710" cy="1068625"/>
+          </a:xfrm>
+        </p:grpSpPr>
+        <p:pic>
+          <p:nvPicPr>
+            <p:cNvPr id="4" name="그림 3"/>
+            <p:cNvPicPr>
+              <a:picLocks noChangeAspect="1"/>
+            </p:cNvPicPr>
+            <p:nvPr/>
+          </p:nvPicPr>
+          <p:blipFill>
+            <a:blip r:embed="rId2"/>
+            <a:stretch>
+              <a:fillRect/>
+            </a:stretch>
+          </p:blipFill>
+          <p:spPr>
+            <a:xfrm>
+              <a:off x="445614" y="1847331"/>
+              <a:ext cx="3458890" cy="760848"/>
+            </a:xfrm>
+            <a:prstGeom prst="rect">
+              <a:avLst/>
+            </a:prstGeom>
+            <a:ln w="28575">
+              <a:solidFill>
+                <a:schemeClr val="tx2">
+                  <a:lumMod val="60000"/>
+                  <a:lumOff val="40000"/>
+                </a:schemeClr>
+              </a:solidFill>
+            </a:ln>
+          </p:spPr>
+        </p:pic>
+        <p:sp>
+          <p:nvSpPr>
+            <p:cNvPr id="15" name="TextBox 14"/>
+            <p:cNvSpPr txBox="1"/>
+            <p:nvPr/>
+          </p:nvSpPr>
+          <p:spPr>
+            <a:xfrm>
+              <a:off x="440794" y="1539554"/>
+              <a:ext cx="2561197" cy="307777"/>
+            </a:xfrm>
+            <a:prstGeom prst="rect">
+              <a:avLst/>
+            </a:prstGeom>
+            <a:noFill/>
+            <a:ln>
+              <a:noFill/>
+            </a:ln>
+          </p:spPr>
+          <p:txBody>
+            <a:bodyPr wrap="square" rtlCol="0">
+              <a:spAutoFit/>
+            </a:bodyPr>
+            <a:lstStyle/>
+            <a:p>
+              <a:r>
+                <a:rPr lang="en-US" altLang="ko-KR" sz="1400" b="1" i="1" dirty="0" smtClean="0">
+                  <a:ln>
+                    <a:solidFill>
+                      <a:srgbClr val="FFC000">
+                        <a:alpha val="0"/>
+                      </a:srgbClr>
+                    </a:solidFill>
+                  </a:ln>
+                  <a:latin typeface="+mj-ea"/>
+                  <a:ea typeface="+mj-ea"/>
+                </a:rPr>
+                <a:t>List(</a:t>
+              </a:r>
+              <a:r>
+                <a:rPr lang="ko-KR" altLang="en-US" sz="1400" b="1" i="1" dirty="0" smtClean="0">
+                  <a:ln>
+                    <a:solidFill>
+                      <a:srgbClr val="FFC000">
+                        <a:alpha val="0"/>
+                      </a:srgbClr>
+                    </a:solidFill>
+                  </a:ln>
+                  <a:latin typeface="+mj-ea"/>
+                  <a:ea typeface="+mj-ea"/>
+                </a:rPr>
+                <a:t>구매목록</a:t>
+              </a:r>
+              <a:r>
+                <a:rPr lang="en-US" altLang="ko-KR" sz="1400" b="1" i="1" dirty="0" smtClean="0">
+                  <a:ln>
+                    <a:solidFill>
+                      <a:srgbClr val="FFC000">
+                        <a:alpha val="0"/>
+                      </a:srgbClr>
+                    </a:solidFill>
+                  </a:ln>
+                  <a:latin typeface="+mj-ea"/>
+                  <a:ea typeface="+mj-ea"/>
+                </a:rPr>
+                <a:t>)</a:t>
+              </a:r>
+              <a:endParaRPr lang="en-US" altLang="ko-KR" sz="1400" b="1" i="1" dirty="0" smtClean="0">
+                <a:ln>
+                  <a:solidFill>
+                    <a:srgbClr val="FFC000">
+                      <a:alpha val="0"/>
+                    </a:srgbClr>
+                  </a:solidFill>
+                </a:ln>
+                <a:latin typeface="+mj-ea"/>
+                <a:ea typeface="+mj-ea"/>
+              </a:endParaRPr>
+            </a:p>
+          </p:txBody>
+        </p:sp>
+      </p:grpSp>
+      <p:grpSp>
+        <p:nvGrpSpPr>
+          <p:cNvPr id="26" name="그룹 25"/>
+          <p:cNvGrpSpPr/>
+          <p:nvPr/>
+        </p:nvGrpSpPr>
+        <p:grpSpPr>
+          <a:xfrm>
+            <a:off x="7405921" y="5391612"/>
+            <a:ext cx="4051780" cy="1143058"/>
+            <a:chOff x="407841" y="4340305"/>
+            <a:chExt cx="3496663" cy="901346"/>
+          </a:xfrm>
+        </p:grpSpPr>
+        <p:pic>
+          <p:nvPicPr>
+            <p:cNvPr id="7" name="그림 6"/>
+            <p:cNvPicPr>
+              <a:picLocks noChangeAspect="1"/>
+            </p:cNvPicPr>
+            <p:nvPr/>
+          </p:nvPicPr>
+          <p:blipFill>
+            <a:blip r:embed="rId3"/>
+            <a:stretch>
+              <a:fillRect/>
+            </a:stretch>
+          </p:blipFill>
+          <p:spPr>
+            <a:xfrm>
+              <a:off x="407842" y="4648082"/>
+              <a:ext cx="3496662" cy="593569"/>
+            </a:xfrm>
+            <a:prstGeom prst="rect">
+              <a:avLst/>
+            </a:prstGeom>
+            <a:ln w="28575">
+              <a:solidFill>
+                <a:schemeClr val="tx2">
+                  <a:lumMod val="60000"/>
+                  <a:lumOff val="40000"/>
+                </a:schemeClr>
+              </a:solidFill>
+            </a:ln>
+          </p:spPr>
+        </p:pic>
+        <p:sp>
+          <p:nvSpPr>
+            <p:cNvPr id="16" name="TextBox 15"/>
+            <p:cNvSpPr txBox="1"/>
+            <p:nvPr/>
+          </p:nvSpPr>
+          <p:spPr>
+            <a:xfrm>
+              <a:off x="407841" y="4340305"/>
+              <a:ext cx="2561197" cy="307777"/>
+            </a:xfrm>
+            <a:prstGeom prst="rect">
+              <a:avLst/>
+            </a:prstGeom>
+            <a:noFill/>
+            <a:ln>
+              <a:noFill/>
+            </a:ln>
+          </p:spPr>
+          <p:txBody>
+            <a:bodyPr wrap="square" rtlCol="0">
+              <a:spAutoFit/>
+            </a:bodyPr>
+            <a:lstStyle/>
+            <a:p>
+              <a:r>
+                <a:rPr lang="en-US" altLang="ko-KR" sz="1400" b="1" i="1" dirty="0" smtClean="0">
+                  <a:ln>
+                    <a:solidFill>
+                      <a:srgbClr val="FFC000">
+                        <a:alpha val="0"/>
+                      </a:srgbClr>
+                    </a:solidFill>
+                  </a:ln>
+                  <a:latin typeface="+mj-ea"/>
+                  <a:ea typeface="+mj-ea"/>
+                </a:rPr>
+                <a:t>Menu(</a:t>
+              </a:r>
+              <a:r>
+                <a:rPr lang="ko-KR" altLang="en-US" sz="1400" b="1" i="1" dirty="0" smtClean="0">
+                  <a:ln>
+                    <a:solidFill>
+                      <a:srgbClr val="FFC000">
+                        <a:alpha val="0"/>
+                      </a:srgbClr>
+                    </a:solidFill>
+                  </a:ln>
+                  <a:latin typeface="+mj-ea"/>
+                  <a:ea typeface="+mj-ea"/>
+                </a:rPr>
+                <a:t>메뉴목록</a:t>
+              </a:r>
+              <a:r>
+                <a:rPr lang="en-US" altLang="ko-KR" sz="1400" b="1" i="1" dirty="0" smtClean="0">
+                  <a:ln>
+                    <a:solidFill>
+                      <a:srgbClr val="FFC000">
+                        <a:alpha val="0"/>
+                      </a:srgbClr>
+                    </a:solidFill>
+                  </a:ln>
+                  <a:latin typeface="+mj-ea"/>
+                  <a:ea typeface="+mj-ea"/>
+                </a:rPr>
+                <a:t>)</a:t>
+              </a:r>
+              <a:endParaRPr lang="en-US" altLang="ko-KR" sz="1400" b="1" i="1" dirty="0" smtClean="0">
+                <a:ln>
+                  <a:solidFill>
+                    <a:srgbClr val="FFC000">
+                      <a:alpha val="0"/>
+                    </a:srgbClr>
+                  </a:solidFill>
+                </a:ln>
+                <a:latin typeface="+mj-ea"/>
+                <a:ea typeface="+mj-ea"/>
+              </a:endParaRPr>
+            </a:p>
+          </p:txBody>
+        </p:sp>
+      </p:grpSp>
+      <p:grpSp>
+        <p:nvGrpSpPr>
+          <p:cNvPr id="24" name="그룹 23"/>
+          <p:cNvGrpSpPr/>
+          <p:nvPr/>
+        </p:nvGrpSpPr>
+        <p:grpSpPr>
+          <a:xfrm>
+            <a:off x="550596" y="1648260"/>
+            <a:ext cx="3948609" cy="1238863"/>
+            <a:chOff x="4385441" y="1539554"/>
+            <a:chExt cx="3407627" cy="976892"/>
+          </a:xfrm>
+        </p:grpSpPr>
+        <p:pic>
+          <p:nvPicPr>
+            <p:cNvPr id="5" name="그림 4"/>
+            <p:cNvPicPr>
+              <a:picLocks noChangeAspect="1"/>
+            </p:cNvPicPr>
+            <p:nvPr/>
+          </p:nvPicPr>
+          <p:blipFill>
+            <a:blip r:embed="rId4"/>
+            <a:stretch>
+              <a:fillRect/>
+            </a:stretch>
+          </p:blipFill>
+          <p:spPr>
+            <a:xfrm>
+              <a:off x="4398931" y="1847331"/>
+              <a:ext cx="3394137" cy="669115"/>
+            </a:xfrm>
+            <a:prstGeom prst="rect">
+              <a:avLst/>
+            </a:prstGeom>
+            <a:ln w="28575">
+              <a:solidFill>
+                <a:schemeClr val="tx2">
+                  <a:lumMod val="60000"/>
+                  <a:lumOff val="40000"/>
+                </a:schemeClr>
+              </a:solidFill>
+            </a:ln>
+          </p:spPr>
+        </p:pic>
+        <p:sp>
+          <p:nvSpPr>
+            <p:cNvPr id="17" name="TextBox 16"/>
+            <p:cNvSpPr txBox="1"/>
+            <p:nvPr/>
+          </p:nvSpPr>
+          <p:spPr>
+            <a:xfrm>
+              <a:off x="4385441" y="1539554"/>
+              <a:ext cx="2561197" cy="307777"/>
+            </a:xfrm>
+            <a:prstGeom prst="rect">
+              <a:avLst/>
+            </a:prstGeom>
+            <a:noFill/>
+            <a:ln>
+              <a:noFill/>
+            </a:ln>
+          </p:spPr>
+          <p:txBody>
+            <a:bodyPr wrap="square" rtlCol="0">
+              <a:spAutoFit/>
+            </a:bodyPr>
+            <a:lstStyle/>
+            <a:p>
+              <a:r>
+                <a:rPr lang="en-US" altLang="ko-KR" sz="1400" b="1" i="1" dirty="0" smtClean="0">
+                  <a:ln>
+                    <a:solidFill>
+                      <a:srgbClr val="FFC000">
+                        <a:alpha val="0"/>
+                      </a:srgbClr>
+                    </a:solidFill>
+                  </a:ln>
+                  <a:latin typeface="+mj-ea"/>
+                  <a:ea typeface="+mj-ea"/>
+                </a:rPr>
+                <a:t>Member</a:t>
+              </a:r>
+              <a:r>
+                <a:rPr lang="en-US" altLang="ko-KR" sz="1400" b="1" i="1" dirty="0" smtClean="0">
+                  <a:ln>
+                    <a:solidFill>
+                      <a:srgbClr val="FFC000">
+                        <a:alpha val="0"/>
+                      </a:srgbClr>
+                    </a:solidFill>
+                  </a:ln>
+                  <a:latin typeface="+mj-ea"/>
+                  <a:ea typeface="+mj-ea"/>
+                </a:rPr>
+                <a:t>(</a:t>
+              </a:r>
+              <a:r>
+                <a:rPr lang="ko-KR" altLang="en-US" sz="1400" b="1" i="1" dirty="0" smtClean="0">
+                  <a:ln>
+                    <a:solidFill>
+                      <a:srgbClr val="FFC000">
+                        <a:alpha val="0"/>
+                      </a:srgbClr>
+                    </a:solidFill>
+                  </a:ln>
+                  <a:latin typeface="+mj-ea"/>
+                  <a:ea typeface="+mj-ea"/>
+                </a:rPr>
+                <a:t>회원목록</a:t>
+              </a:r>
+              <a:r>
+                <a:rPr lang="en-US" altLang="ko-KR" sz="1400" b="1" i="1" dirty="0" smtClean="0">
+                  <a:ln>
+                    <a:solidFill>
+                      <a:srgbClr val="FFC000">
+                        <a:alpha val="0"/>
+                      </a:srgbClr>
+                    </a:solidFill>
+                  </a:ln>
+                  <a:latin typeface="+mj-ea"/>
+                  <a:ea typeface="+mj-ea"/>
+                </a:rPr>
+                <a:t>)</a:t>
+              </a:r>
+              <a:endParaRPr lang="en-US" altLang="ko-KR" sz="1400" b="1" i="1" dirty="0" smtClean="0">
+                <a:ln>
+                  <a:solidFill>
+                    <a:srgbClr val="FFC000">
+                      <a:alpha val="0"/>
+                    </a:srgbClr>
+                  </a:solidFill>
+                </a:ln>
+                <a:latin typeface="+mj-ea"/>
+                <a:ea typeface="+mj-ea"/>
+              </a:endParaRPr>
+            </a:p>
+          </p:txBody>
+        </p:sp>
+      </p:grpSp>
+      <p:grpSp>
+        <p:nvGrpSpPr>
+          <p:cNvPr id="22" name="그룹 21"/>
+          <p:cNvGrpSpPr/>
+          <p:nvPr/>
+        </p:nvGrpSpPr>
+        <p:grpSpPr>
+          <a:xfrm>
+            <a:off x="6515047" y="3553352"/>
+            <a:ext cx="3964243" cy="1512590"/>
+            <a:chOff x="4385440" y="4340304"/>
+            <a:chExt cx="3421119" cy="1192736"/>
+          </a:xfrm>
+        </p:grpSpPr>
+        <p:pic>
+          <p:nvPicPr>
+            <p:cNvPr id="8" name="그림 7"/>
+            <p:cNvPicPr>
+              <a:picLocks noChangeAspect="1"/>
+            </p:cNvPicPr>
+            <p:nvPr/>
+          </p:nvPicPr>
+          <p:blipFill>
+            <a:blip r:embed="rId5"/>
+            <a:stretch>
+              <a:fillRect/>
+            </a:stretch>
+          </p:blipFill>
+          <p:spPr>
+            <a:xfrm>
+              <a:off x="4385441" y="4648082"/>
+              <a:ext cx="3421118" cy="884958"/>
+            </a:xfrm>
+            <a:prstGeom prst="rect">
+              <a:avLst/>
+            </a:prstGeom>
+            <a:ln w="28575">
+              <a:solidFill>
+                <a:schemeClr val="tx2">
+                  <a:lumMod val="60000"/>
+                  <a:lumOff val="40000"/>
+                </a:schemeClr>
+              </a:solidFill>
+            </a:ln>
+          </p:spPr>
+        </p:pic>
+        <p:sp>
+          <p:nvSpPr>
+            <p:cNvPr id="18" name="TextBox 17"/>
+            <p:cNvSpPr txBox="1"/>
+            <p:nvPr/>
+          </p:nvSpPr>
+          <p:spPr>
+            <a:xfrm>
+              <a:off x="4385440" y="4340304"/>
+              <a:ext cx="2561197" cy="307777"/>
+            </a:xfrm>
+            <a:prstGeom prst="rect">
+              <a:avLst/>
+            </a:prstGeom>
+            <a:noFill/>
+            <a:ln>
+              <a:noFill/>
+            </a:ln>
+          </p:spPr>
+          <p:txBody>
+            <a:bodyPr wrap="square" rtlCol="0">
+              <a:spAutoFit/>
+            </a:bodyPr>
+            <a:lstStyle/>
+            <a:p>
+              <a:r>
+                <a:rPr lang="en-US" altLang="ko-KR" sz="1400" b="1" i="1" dirty="0" smtClean="0">
+                  <a:ln>
+                    <a:solidFill>
+                      <a:srgbClr val="FFC000">
+                        <a:alpha val="0"/>
+                      </a:srgbClr>
+                    </a:solidFill>
+                  </a:ln>
+                  <a:latin typeface="+mj-ea"/>
+                  <a:ea typeface="+mj-ea"/>
+                </a:rPr>
+                <a:t>Order(</a:t>
+              </a:r>
+              <a:r>
+                <a:rPr lang="ko-KR" altLang="en-US" sz="1400" b="1" i="1" dirty="0" smtClean="0">
+                  <a:ln>
+                    <a:solidFill>
+                      <a:srgbClr val="FFC000">
+                        <a:alpha val="0"/>
+                      </a:srgbClr>
+                    </a:solidFill>
+                  </a:ln>
+                  <a:latin typeface="+mj-ea"/>
+                  <a:ea typeface="+mj-ea"/>
+                </a:rPr>
+                <a:t>주문목록</a:t>
+              </a:r>
+              <a:r>
+                <a:rPr lang="en-US" altLang="ko-KR" sz="1400" b="1" i="1" dirty="0" smtClean="0">
+                  <a:ln>
+                    <a:solidFill>
+                      <a:srgbClr val="FFC000">
+                        <a:alpha val="0"/>
+                      </a:srgbClr>
+                    </a:solidFill>
+                  </a:ln>
+                  <a:latin typeface="+mj-ea"/>
+                  <a:ea typeface="+mj-ea"/>
+                </a:rPr>
+                <a:t>)</a:t>
+              </a:r>
+              <a:endParaRPr lang="en-US" altLang="ko-KR" sz="1400" b="1" i="1" dirty="0" smtClean="0">
+                <a:ln>
+                  <a:solidFill>
+                    <a:srgbClr val="FFC000">
+                      <a:alpha val="0"/>
+                    </a:srgbClr>
+                  </a:solidFill>
+                </a:ln>
+                <a:latin typeface="+mj-ea"/>
+                <a:ea typeface="+mj-ea"/>
+              </a:endParaRPr>
+            </a:p>
+          </p:txBody>
+        </p:sp>
+      </p:grpSp>
+      <p:grpSp>
+        <p:nvGrpSpPr>
+          <p:cNvPr id="23" name="그룹 22"/>
+          <p:cNvGrpSpPr/>
+          <p:nvPr/>
+        </p:nvGrpSpPr>
+        <p:grpSpPr>
+          <a:xfrm>
+            <a:off x="550596" y="3259524"/>
+            <a:ext cx="3932977" cy="1279923"/>
+            <a:chOff x="8522078" y="1539553"/>
+            <a:chExt cx="3394137" cy="1009269"/>
+          </a:xfrm>
+        </p:grpSpPr>
+        <p:pic>
+          <p:nvPicPr>
+            <p:cNvPr id="2" name="그림 1"/>
+            <p:cNvPicPr>
+              <a:picLocks noChangeAspect="1"/>
+            </p:cNvPicPr>
+            <p:nvPr/>
+          </p:nvPicPr>
+          <p:blipFill>
+            <a:blip r:embed="rId6"/>
+            <a:stretch>
+              <a:fillRect/>
+            </a:stretch>
+          </p:blipFill>
+          <p:spPr>
+            <a:xfrm>
+              <a:off x="8522078" y="1847331"/>
+              <a:ext cx="3394137" cy="701491"/>
+            </a:xfrm>
+            <a:prstGeom prst="rect">
+              <a:avLst/>
+            </a:prstGeom>
+            <a:ln w="28575">
+              <a:solidFill>
+                <a:schemeClr val="tx2">
+                  <a:lumMod val="60000"/>
+                  <a:lumOff val="40000"/>
+                </a:schemeClr>
+              </a:solidFill>
+            </a:ln>
+          </p:spPr>
+        </p:pic>
+        <p:sp>
+          <p:nvSpPr>
+            <p:cNvPr id="19" name="TextBox 18"/>
+            <p:cNvSpPr txBox="1"/>
+            <p:nvPr/>
+          </p:nvSpPr>
+          <p:spPr>
+            <a:xfrm>
+              <a:off x="8522078" y="1539553"/>
+              <a:ext cx="2561197" cy="307777"/>
+            </a:xfrm>
+            <a:prstGeom prst="rect">
+              <a:avLst/>
+            </a:prstGeom>
+            <a:noFill/>
+            <a:ln>
+              <a:noFill/>
+            </a:ln>
+          </p:spPr>
+          <p:txBody>
+            <a:bodyPr wrap="square" rtlCol="0">
+              <a:spAutoFit/>
+            </a:bodyPr>
+            <a:lstStyle/>
+            <a:p>
+              <a:r>
+                <a:rPr lang="en-US" altLang="ko-KR" sz="1400" b="1" i="1" dirty="0" smtClean="0">
+                  <a:ln>
+                    <a:solidFill>
+                      <a:srgbClr val="FFC000">
+                        <a:alpha val="0"/>
+                      </a:srgbClr>
+                    </a:solidFill>
+                  </a:ln>
+                  <a:latin typeface="+mj-ea"/>
+                  <a:ea typeface="+mj-ea"/>
+                </a:rPr>
+                <a:t>BBS(</a:t>
+              </a:r>
+              <a:r>
+                <a:rPr lang="ko-KR" altLang="en-US" sz="1400" b="1" i="1" dirty="0" smtClean="0">
+                  <a:ln>
+                    <a:solidFill>
+                      <a:srgbClr val="FFC000">
+                        <a:alpha val="0"/>
+                      </a:srgbClr>
+                    </a:solidFill>
+                  </a:ln>
+                  <a:latin typeface="+mj-ea"/>
+                  <a:ea typeface="+mj-ea"/>
+                </a:rPr>
+                <a:t>게시판</a:t>
+              </a:r>
+              <a:r>
+                <a:rPr lang="en-US" altLang="ko-KR" sz="1400" b="1" i="1" dirty="0" smtClean="0">
+                  <a:ln>
+                    <a:solidFill>
+                      <a:srgbClr val="FFC000">
+                        <a:alpha val="0"/>
+                      </a:srgbClr>
+                    </a:solidFill>
+                  </a:ln>
+                  <a:latin typeface="+mj-ea"/>
+                  <a:ea typeface="+mj-ea"/>
+                </a:rPr>
+                <a:t>)</a:t>
+              </a:r>
+              <a:endParaRPr lang="en-US" altLang="ko-KR" sz="1400" b="1" i="1" dirty="0" smtClean="0">
+                <a:ln>
+                  <a:solidFill>
+                    <a:srgbClr val="FFC000">
+                      <a:alpha val="0"/>
+                    </a:srgbClr>
+                  </a:solidFill>
+                </a:ln>
+                <a:latin typeface="+mj-ea"/>
+                <a:ea typeface="+mj-ea"/>
+              </a:endParaRPr>
+            </a:p>
+          </p:txBody>
+        </p:sp>
+      </p:grpSp>
+      <p:grpSp>
+        <p:nvGrpSpPr>
+          <p:cNvPr id="21" name="그룹 20"/>
+          <p:cNvGrpSpPr/>
+          <p:nvPr/>
+        </p:nvGrpSpPr>
+        <p:grpSpPr>
+          <a:xfrm>
+            <a:off x="550596" y="4870786"/>
+            <a:ext cx="3970496" cy="1232023"/>
+            <a:chOff x="8522077" y="4340303"/>
+            <a:chExt cx="3426515" cy="971498"/>
+          </a:xfrm>
+        </p:grpSpPr>
+        <p:pic>
+          <p:nvPicPr>
+            <p:cNvPr id="9" name="그림 8"/>
+            <p:cNvPicPr>
+              <a:picLocks noChangeAspect="1"/>
+            </p:cNvPicPr>
+            <p:nvPr/>
+          </p:nvPicPr>
+          <p:blipFill>
+            <a:blip r:embed="rId7"/>
+            <a:stretch>
+              <a:fillRect/>
+            </a:stretch>
+          </p:blipFill>
+          <p:spPr>
+            <a:xfrm>
+              <a:off x="8522078" y="4648082"/>
+              <a:ext cx="3426514" cy="663719"/>
+            </a:xfrm>
+            <a:prstGeom prst="rect">
+              <a:avLst/>
+            </a:prstGeom>
+            <a:ln w="28575">
+              <a:solidFill>
+                <a:schemeClr val="tx2">
+                  <a:lumMod val="60000"/>
+                  <a:lumOff val="40000"/>
+                </a:schemeClr>
+              </a:solidFill>
+            </a:ln>
+          </p:spPr>
+        </p:pic>
+        <p:sp>
+          <p:nvSpPr>
+            <p:cNvPr id="20" name="TextBox 19"/>
+            <p:cNvSpPr txBox="1"/>
+            <p:nvPr/>
+          </p:nvSpPr>
+          <p:spPr>
+            <a:xfrm>
+              <a:off x="8522077" y="4340303"/>
+              <a:ext cx="2561197" cy="307777"/>
+            </a:xfrm>
+            <a:prstGeom prst="rect">
+              <a:avLst/>
+            </a:prstGeom>
+            <a:noFill/>
+            <a:ln>
+              <a:noFill/>
+            </a:ln>
+          </p:spPr>
+          <p:txBody>
+            <a:bodyPr wrap="square" rtlCol="0">
+              <a:spAutoFit/>
+            </a:bodyPr>
+            <a:lstStyle/>
+            <a:p>
+              <a:r>
+                <a:rPr lang="en-US" altLang="ko-KR" sz="1400" b="1" i="1" dirty="0" smtClean="0">
+                  <a:ln>
+                    <a:solidFill>
+                      <a:srgbClr val="FFC000">
+                        <a:alpha val="0"/>
+                      </a:srgbClr>
+                    </a:solidFill>
+                  </a:ln>
+                  <a:latin typeface="+mj-ea"/>
+                  <a:ea typeface="+mj-ea"/>
+                </a:rPr>
+                <a:t>RP</a:t>
+              </a:r>
+              <a:r>
+                <a:rPr lang="en-US" altLang="ko-KR" sz="1400" b="1" i="1" dirty="0" smtClean="0">
+                  <a:ln>
+                    <a:solidFill>
+                      <a:srgbClr val="FFC000">
+                        <a:alpha val="0"/>
+                      </a:srgbClr>
+                    </a:solidFill>
+                  </a:ln>
+                  <a:latin typeface="+mj-ea"/>
+                  <a:ea typeface="+mj-ea"/>
+                </a:rPr>
+                <a:t>(</a:t>
+              </a:r>
+              <a:r>
+                <a:rPr lang="ko-KR" altLang="en-US" sz="1400" b="1" i="1" dirty="0" err="1" smtClean="0">
+                  <a:ln>
+                    <a:solidFill>
+                      <a:srgbClr val="FFC000">
+                        <a:alpha val="0"/>
+                      </a:srgbClr>
+                    </a:solidFill>
+                  </a:ln>
+                  <a:latin typeface="+mj-ea"/>
+                  <a:ea typeface="+mj-ea"/>
+                </a:rPr>
+                <a:t>댓글</a:t>
+              </a:r>
+              <a:r>
+                <a:rPr lang="en-US" altLang="ko-KR" sz="1400" b="1" i="1" dirty="0" smtClean="0">
+                  <a:ln>
+                    <a:solidFill>
+                      <a:srgbClr val="FFC000">
+                        <a:alpha val="0"/>
+                      </a:srgbClr>
+                    </a:solidFill>
+                  </a:ln>
+                  <a:latin typeface="+mj-ea"/>
+                  <a:ea typeface="+mj-ea"/>
+                </a:rPr>
+                <a:t>)</a:t>
+              </a:r>
+              <a:endParaRPr lang="en-US" altLang="ko-KR" sz="1400" b="1" i="1" dirty="0" smtClean="0">
+                <a:ln>
+                  <a:solidFill>
+                    <a:srgbClr val="FFC000">
+                      <a:alpha val="0"/>
+                    </a:srgbClr>
+                  </a:solidFill>
+                </a:ln>
+                <a:latin typeface="+mj-ea"/>
+                <a:ea typeface="+mj-ea"/>
+              </a:endParaRPr>
+            </a:p>
+          </p:txBody>
+        </p:sp>
+      </p:grpSp>
+      <p:cxnSp>
+        <p:nvCxnSpPr>
+          <p:cNvPr id="30" name="직선 화살표 연결선 29"/>
+          <p:cNvCxnSpPr>
+            <a:stCxn id="2" idx="2"/>
+          </p:cNvCxnSpPr>
+          <p:nvPr/>
+        </p:nvCxnSpPr>
+        <p:spPr>
+          <a:xfrm flipH="1">
+            <a:off x="2504661" y="4539447"/>
+            <a:ext cx="12424" cy="721652"/>
+          </a:xfrm>
+          <a:prstGeom prst="straightConnector1">
+            <a:avLst/>
+          </a:prstGeom>
+          <a:ln w="28575">
+            <a:solidFill>
+              <a:schemeClr val="tx2">
+                <a:lumMod val="60000"/>
+                <a:lumOff val="40000"/>
+              </a:schemeClr>
+            </a:solidFill>
+            <a:headEnd type="triangle"/>
+            <a:tailEnd type="triangle"/>
+          </a:ln>
+        </p:spPr>
+        <p:style>
+          <a:lnRef idx="1">
+            <a:schemeClr val="accent1"/>
+          </a:lnRef>
+          <a:fillRef idx="0">
+            <a:schemeClr val="accent1"/>
+          </a:fillRef>
+          <a:effectRef idx="0">
+            <a:schemeClr val="accent1"/>
+          </a:effectRef>
+          <a:fontRef idx="minor">
+            <a:schemeClr val="tx1"/>
+          </a:fontRef>
+        </p:style>
+      </p:cxnSp>
+      <p:cxnSp>
+        <p:nvCxnSpPr>
+          <p:cNvPr id="35" name="직선 화살표 연결선 34"/>
+          <p:cNvCxnSpPr>
+            <a:stCxn id="5" idx="2"/>
+            <a:endCxn id="2" idx="0"/>
+          </p:cNvCxnSpPr>
+          <p:nvPr/>
+        </p:nvCxnSpPr>
+        <p:spPr>
+          <a:xfrm flipH="1">
+            <a:off x="2517085" y="2887123"/>
+            <a:ext cx="15632" cy="762715"/>
+          </a:xfrm>
+          <a:prstGeom prst="straightConnector1">
+            <a:avLst/>
+          </a:prstGeom>
+          <a:ln w="28575">
+            <a:solidFill>
+              <a:schemeClr val="tx2">
+                <a:lumMod val="60000"/>
+                <a:lumOff val="40000"/>
+              </a:schemeClr>
+            </a:solidFill>
+            <a:headEnd type="triangle"/>
+            <a:tailEnd type="triangle"/>
+          </a:ln>
+        </p:spPr>
+        <p:style>
+          <a:lnRef idx="1">
+            <a:schemeClr val="accent1"/>
+          </a:lnRef>
+          <a:fillRef idx="0">
+            <a:schemeClr val="accent1"/>
+          </a:fillRef>
+          <a:effectRef idx="0">
+            <a:schemeClr val="accent1"/>
+          </a:effectRef>
+          <a:fontRef idx="minor">
+            <a:schemeClr val="tx1"/>
+          </a:fontRef>
+        </p:style>
+      </p:cxnSp>
+      <p:cxnSp>
+        <p:nvCxnSpPr>
+          <p:cNvPr id="37" name="직선 화살표 연결선 36"/>
+          <p:cNvCxnSpPr/>
+          <p:nvPr/>
+        </p:nvCxnSpPr>
+        <p:spPr>
+          <a:xfrm>
+            <a:off x="4521092" y="2887123"/>
+            <a:ext cx="1993955" cy="1056542"/>
+          </a:xfrm>
+          <a:prstGeom prst="straightConnector1">
+            <a:avLst/>
+          </a:prstGeom>
+          <a:ln w="28575">
+            <a:solidFill>
+              <a:schemeClr val="tx2">
+                <a:lumMod val="60000"/>
+                <a:lumOff val="40000"/>
+              </a:schemeClr>
+            </a:solidFill>
+            <a:headEnd type="triangle"/>
+            <a:tailEnd type="triangle"/>
+          </a:ln>
+        </p:spPr>
+        <p:style>
+          <a:lnRef idx="1">
+            <a:schemeClr val="accent1"/>
+          </a:lnRef>
+          <a:fillRef idx="0">
+            <a:schemeClr val="accent1"/>
+          </a:fillRef>
+          <a:effectRef idx="0">
+            <a:schemeClr val="accent1"/>
+          </a:effectRef>
+          <a:fontRef idx="minor">
+            <a:schemeClr val="tx1"/>
+          </a:fontRef>
+        </p:style>
+      </p:cxnSp>
+      <p:cxnSp>
+        <p:nvCxnSpPr>
+          <p:cNvPr id="39" name="직선 화살표 연결선 38"/>
+          <p:cNvCxnSpPr>
+            <a:stCxn id="5" idx="3"/>
+            <a:endCxn id="4" idx="1"/>
+          </p:cNvCxnSpPr>
+          <p:nvPr/>
+        </p:nvCxnSpPr>
+        <p:spPr>
+          <a:xfrm>
+            <a:off x="4499205" y="2462848"/>
+            <a:ext cx="1972074" cy="33802"/>
+          </a:xfrm>
+          <a:prstGeom prst="straightConnector1">
+            <a:avLst/>
+          </a:prstGeom>
+          <a:ln w="28575">
+            <a:solidFill>
+              <a:schemeClr val="tx2">
+                <a:lumMod val="60000"/>
+                <a:lumOff val="40000"/>
+              </a:schemeClr>
+            </a:solidFill>
+            <a:headEnd type="triangle"/>
+            <a:tailEnd type="triangle"/>
+          </a:ln>
+        </p:spPr>
+        <p:style>
+          <a:lnRef idx="1">
+            <a:schemeClr val="accent1"/>
+          </a:lnRef>
+          <a:fillRef idx="0">
+            <a:schemeClr val="accent1"/>
+          </a:fillRef>
+          <a:effectRef idx="0">
+            <a:schemeClr val="accent1"/>
+          </a:effectRef>
+          <a:fontRef idx="minor">
+            <a:schemeClr val="tx1"/>
+          </a:fontRef>
+        </p:style>
+      </p:cxnSp>
+      <p:cxnSp>
+        <p:nvCxnSpPr>
+          <p:cNvPr id="41" name="직선 화살표 연결선 40"/>
+          <p:cNvCxnSpPr>
+            <a:stCxn id="4" idx="2"/>
+          </p:cNvCxnSpPr>
+          <p:nvPr/>
+        </p:nvCxnSpPr>
+        <p:spPr>
+          <a:xfrm flipH="1">
+            <a:off x="8475284" y="2979091"/>
+            <a:ext cx="1" cy="947674"/>
+          </a:xfrm>
+          <a:prstGeom prst="straightConnector1">
+            <a:avLst/>
+          </a:prstGeom>
+          <a:ln w="28575">
+            <a:solidFill>
+              <a:schemeClr val="tx2">
+                <a:lumMod val="60000"/>
+                <a:lumOff val="40000"/>
+              </a:schemeClr>
+            </a:solidFill>
+            <a:headEnd type="triangle"/>
+            <a:tailEnd type="triangle"/>
+          </a:ln>
+        </p:spPr>
+        <p:style>
+          <a:lnRef idx="1">
+            <a:schemeClr val="accent1"/>
+          </a:lnRef>
+          <a:fillRef idx="0">
+            <a:schemeClr val="accent1"/>
+          </a:fillRef>
+          <a:effectRef idx="0">
+            <a:schemeClr val="accent1"/>
+          </a:effectRef>
+          <a:fontRef idx="minor">
+            <a:schemeClr val="tx1"/>
+          </a:fontRef>
+        </p:style>
+      </p:cxnSp>
+      <p:cxnSp>
+        <p:nvCxnSpPr>
+          <p:cNvPr id="43" name="직선 화살표 연결선 42"/>
+          <p:cNvCxnSpPr/>
+          <p:nvPr/>
+        </p:nvCxnSpPr>
+        <p:spPr>
+          <a:xfrm flipV="1">
+            <a:off x="9431811" y="5065942"/>
+            <a:ext cx="0" cy="715983"/>
+          </a:xfrm>
+          <a:prstGeom prst="straightConnector1">
+            <a:avLst/>
+          </a:prstGeom>
+          <a:ln w="28575">
+            <a:solidFill>
+              <a:schemeClr val="tx2">
+                <a:lumMod val="60000"/>
+                <a:lumOff val="40000"/>
+              </a:schemeClr>
+            </a:solidFill>
+            <a:headEnd type="triangle"/>
+            <a:tailEnd type="triangle"/>
+          </a:ln>
+        </p:spPr>
+        <p:style>
+          <a:lnRef idx="1">
+            <a:schemeClr val="accent1"/>
+          </a:lnRef>
+          <a:fillRef idx="0">
+            <a:schemeClr val="accent1"/>
+          </a:fillRef>
+          <a:effectRef idx="0">
+            <a:schemeClr val="accent1"/>
+          </a:effectRef>
+          <a:fontRef idx="minor">
+            <a:schemeClr val="tx1"/>
+          </a:fontRef>
+        </p:style>
+      </p:cxnSp>
+      <p:cxnSp>
+        <p:nvCxnSpPr>
+          <p:cNvPr id="45" name="직선 화살표 연결선 44"/>
+          <p:cNvCxnSpPr/>
+          <p:nvPr/>
+        </p:nvCxnSpPr>
+        <p:spPr>
+          <a:xfrm flipH="1" flipV="1">
+            <a:off x="10479290" y="2979091"/>
+            <a:ext cx="978411" cy="2802834"/>
+          </a:xfrm>
+          <a:prstGeom prst="straightConnector1">
+            <a:avLst/>
+          </a:prstGeom>
+          <a:ln w="28575">
+            <a:solidFill>
+              <a:schemeClr val="tx2">
+                <a:lumMod val="60000"/>
+                <a:lumOff val="40000"/>
+              </a:schemeClr>
+            </a:solidFill>
+            <a:headEnd type="triangle"/>
+            <a:tailEnd type="triangle"/>
+          </a:ln>
+        </p:spPr>
+        <p:style>
+          <a:lnRef idx="1">
+            <a:schemeClr val="accent1"/>
+          </a:lnRef>
+          <a:fillRef idx="0">
+            <a:schemeClr val="accent1"/>
+          </a:fillRef>
+          <a:effectRef idx="0">
+            <a:schemeClr val="accent1"/>
+          </a:effectRef>
+          <a:fontRef idx="minor">
+            <a:schemeClr val="tx1"/>
+          </a:fontRef>
+        </p:style>
+      </p:cxnSp>
     </p:spTree>
     <p:extLst>
       <p:ext uri="{BB962C8B-B14F-4D97-AF65-F5344CB8AC3E}">
@@ -11701,7 +13476,7 @@
                 <a:latin typeface="HY헤드라인M" panose="02030600000101010101" pitchFamily="18" charset="-127"/>
                 <a:ea typeface="HY헤드라인M" panose="02030600000101010101" pitchFamily="18" charset="-127"/>
               </a:rPr>
-              <a:t>3. </a:t>
+              <a:t>2. </a:t>
             </a:r>
             <a:r>
               <a:rPr lang="ko-KR" altLang="en-US" sz="3600" dirty="0" smtClean="0">
@@ -11725,7 +13500,7 @@
                 <a:latin typeface="HY헤드라인M" panose="02030600000101010101" pitchFamily="18" charset="-127"/>
                 <a:ea typeface="HY헤드라인M" panose="02030600000101010101" pitchFamily="18" charset="-127"/>
               </a:rPr>
-              <a:t>프로젝트 내용</a:t>
+              <a:t>설계 사양서</a:t>
             </a:r>
             <a:endParaRPr lang="en-US" altLang="ko-KR" sz="3600" dirty="0" smtClean="0">
               <a:ln w="0">
@@ -11751,10 +13526,88 @@
           </a:p>
         </p:txBody>
       </p:sp>
+      <p:sp>
+        <p:nvSpPr>
+          <p:cNvPr id="3" name="TextBox 2"/>
+          <p:cNvSpPr txBox="1"/>
+          <p:nvPr/>
+        </p:nvSpPr>
+        <p:spPr>
+          <a:xfrm>
+            <a:off x="332541" y="909337"/>
+            <a:ext cx="5043922" cy="461665"/>
+          </a:xfrm>
+          <a:prstGeom prst="rect">
+            <a:avLst/>
+          </a:prstGeom>
+          <a:noFill/>
+        </p:spPr>
+        <p:txBody>
+          <a:bodyPr wrap="square" rtlCol="0">
+            <a:spAutoFit/>
+          </a:bodyPr>
+          <a:lstStyle/>
+          <a:p>
+            <a:pPr marL="342900" indent="-342900">
+              <a:buFont typeface="Wingdings" panose="05000000000000000000" pitchFamily="2" charset="2"/>
+              <a:buChar char="v"/>
+            </a:pPr>
+            <a:r>
+              <a:rPr lang="ko-KR" altLang="en-US" sz="2400" b="1" dirty="0" smtClean="0">
+                <a:ln>
+                  <a:solidFill>
+                    <a:srgbClr val="FFC000">
+                      <a:alpha val="0"/>
+                    </a:srgbClr>
+                  </a:solidFill>
+                </a:ln>
+                <a:latin typeface="+mj-ea"/>
+                <a:ea typeface="+mj-ea"/>
+              </a:rPr>
+              <a:t>예상 레이아웃</a:t>
+            </a:r>
+            <a:endParaRPr lang="en-US" altLang="ko-KR" sz="2400" b="1" dirty="0" smtClean="0">
+              <a:ln>
+                <a:solidFill>
+                  <a:srgbClr val="FFC000">
+                    <a:alpha val="0"/>
+                  </a:srgbClr>
+                </a:solidFill>
+              </a:ln>
+              <a:latin typeface="+mj-ea"/>
+              <a:ea typeface="+mj-ea"/>
+            </a:endParaRPr>
+          </a:p>
+        </p:txBody>
+      </p:sp>
+      <p:pic>
+        <p:nvPicPr>
+          <p:cNvPr id="10" name="그림 9"/>
+          <p:cNvPicPr>
+            <a:picLocks noChangeAspect="1"/>
+          </p:cNvPicPr>
+          <p:nvPr/>
+        </p:nvPicPr>
+        <p:blipFill>
+          <a:blip r:embed="rId2"/>
+          <a:stretch>
+            <a:fillRect/>
+          </a:stretch>
+        </p:blipFill>
+        <p:spPr>
+          <a:xfrm>
+            <a:off x="706252" y="1371002"/>
+            <a:ext cx="7857302" cy="5382562"/>
+          </a:xfrm>
+          <a:prstGeom prst="rect">
+            <a:avLst/>
+          </a:prstGeom>
+        </p:spPr>
+      </p:pic>
     </p:spTree>
     <p:extLst>
       <p:ext uri="{BB962C8B-B14F-4D97-AF65-F5344CB8AC3E}">
-        <p14:creationId xmlns:p14="http://schemas.microsoft.com/office/powerpoint/2010/main" val="499413327"/>
+        <p14:creationId xmlns:p14="http://schemas.microsoft.com/office/powerpoint/2010/main" val="1322748106"/>
       </p:ext>
     </p:extLst>
   </p:cSld>
